--- a/App Movies - TV Series - Live TV Channels - TV Cast.pptx
+++ b/App Movies - TV Series - Live TV Channels - TV Cast.pptx
@@ -1,57 +1,36 @@
 
 <file path=ppt/presentation.xml><?xml version="1.0" encoding="utf-8"?>
-<p:presentation xmlns:a="http://schemas.openxmlformats.org/drawingml/2006/main" xmlns:r="http://schemas.openxmlformats.org/officeDocument/2006/relationships" xmlns:p="http://schemas.openxmlformats.org/presentationml/2006/main" saveSubsetFonts="1" embedTrueTypeFonts="true">
+<p:presentation xmlns:a="http://schemas.openxmlformats.org/drawingml/2006/main" xmlns:r="http://schemas.openxmlformats.org/officeDocument/2006/relationships" xmlns:p="http://schemas.openxmlformats.org/presentationml/2006/main" embedTrueTypeFonts="1" saveSubsetFonts="1">
   <p:sldMasterIdLst>
     <p:sldMasterId id="2147483648" r:id="rId1"/>
   </p:sldMasterIdLst>
   <p:sldIdLst>
-    <p:sldId id="256" r:id="rId15"/>
-    <p:sldId id="257" r:id="rId16"/>
-    <p:sldId id="258" r:id="rId17"/>
-    <p:sldId id="259" r:id="rId18"/>
-    <p:sldId id="260" r:id="rId19"/>
-    <p:sldId id="261" r:id="rId20"/>
-    <p:sldId id="262" r:id="rId21"/>
-    <p:sldId id="263" r:id="rId22"/>
+    <p:sldId id="256" r:id="rId2"/>
+    <p:sldId id="257" r:id="rId3"/>
+    <p:sldId id="258" r:id="rId4"/>
+    <p:sldId id="259" r:id="rId5"/>
+    <p:sldId id="260" r:id="rId6"/>
+    <p:sldId id="261" r:id="rId7"/>
+    <p:sldId id="262" r:id="rId8"/>
+    <p:sldId id="263" r:id="rId9"/>
   </p:sldIdLst>
   <p:sldSz cx="18288000" cy="10287000"/>
   <p:notesSz cx="6858000" cy="9144000"/>
   <p:embeddedFontLst>
     <p:embeddedFont>
-      <p:font typeface="Arimo" charset="1" panose="020B0604020202020204"/>
-      <p:regular r:id="rId6"/>
+      <p:font typeface="Calibri" panose="020F0502020204030204" pitchFamily="34" charset="0"/>
+      <p:regular r:id="rId10"/>
+      <p:bold r:id="rId11"/>
+      <p:italic r:id="rId12"/>
+      <p:boldItalic r:id="rId13"/>
     </p:embeddedFont>
     <p:embeddedFont>
-      <p:font typeface="Arimo Bold" charset="1" panose="020B0704020202020204"/>
-      <p:regular r:id="rId7"/>
+      <p:font typeface="League Spartan" panose="020B0604020202020204" charset="0"/>
+      <p:regular r:id="rId14"/>
     </p:embeddedFont>
     <p:embeddedFont>
-      <p:font typeface="Arimo Italics" charset="1" panose="020B0604020202090204"/>
-      <p:regular r:id="rId8"/>
-    </p:embeddedFont>
-    <p:embeddedFont>
-      <p:font typeface="Arimo Bold Italics" charset="1" panose="020B0704020202090204"/>
-      <p:regular r:id="rId9"/>
-    </p:embeddedFont>
-    <p:embeddedFont>
-      <p:font typeface="League Spartan" charset="1" panose="00000800000000000000"/>
-      <p:regular r:id="rId10"/>
-    </p:embeddedFont>
-    <p:embeddedFont>
-      <p:font typeface="Open Sauce Light" charset="1" panose="00000400000000000000"/>
-      <p:regular r:id="rId11"/>
-    </p:embeddedFont>
-    <p:embeddedFont>
-      <p:font typeface="Open Sauce Light Bold" charset="1" panose="00000600000000000000"/>
-      <p:regular r:id="rId12"/>
-    </p:embeddedFont>
-    <p:embeddedFont>
-      <p:font typeface="Open Sauce Light Italics" charset="1" panose="00000400000000000000"/>
-      <p:regular r:id="rId13"/>
-    </p:embeddedFont>
-    <p:embeddedFont>
-      <p:font typeface="Open Sauce Light Bold Italics" charset="1" panose="00000600000000000000"/>
-      <p:regular r:id="rId14"/>
+      <p:font typeface="Open Sauce Light" panose="020B0604020202020204" charset="0"/>
+      <p:regular r:id="rId15"/>
     </p:embeddedFont>
   </p:embeddedFontLst>
   <p:defaultTextStyle>
@@ -149,6 +128,22 @@
       </a:defRPr>
     </a:lvl9pPr>
   </p:defaultTextStyle>
+  <p:extLst>
+    <p:ext uri="{EFAFB233-063F-42B5-8137-9DF3F51BA10A}">
+      <p15:sldGuideLst xmlns:p15="http://schemas.microsoft.com/office/powerpoint/2012/main">
+        <p15:guide id="1" orient="horz" pos="2160">
+          <p15:clr>
+            <a:srgbClr val="A4A3A4"/>
+          </p15:clr>
+        </p15:guide>
+        <p15:guide id="2" pos="2880">
+          <p15:clr>
+            <a:srgbClr val="A4A3A4"/>
+          </p15:clr>
+        </p15:guide>
+      </p15:sldGuideLst>
+    </p:ext>
+  </p:extLst>
 </p:presentation>
 </file>
 
@@ -190,10 +185,9 @@
           <a:lstStyle/>
           <a:p>
             <a:r>
-              <a:rPr lang="en-US" smtClean="0"/>
+              <a:rPr lang="en-US"/>
               <a:t>Click to edit Master title style</a:t>
             </a:r>
-            <a:endParaRPr lang="en-US"/>
           </a:p>
         </p:txBody>
       </p:sp>
@@ -309,10 +303,9 @@
           </a:lstStyle>
           <a:p>
             <a:r>
-              <a:rPr lang="en-US" smtClean="0"/>
+              <a:rPr lang="en-US"/>
               <a:t>Click to edit Master subtitle style</a:t>
             </a:r>
-            <a:endParaRPr lang="en-US"/>
           </a:p>
         </p:txBody>
       </p:sp>
@@ -334,7 +327,7 @@
             <a:fld id="{1D8BD707-D9CF-40AE-B4C6-C98DA3205C09}" type="datetimeFigureOut">
               <a:rPr lang="en-US" smtClean="0"/>
               <a:pPr/>
-              <a:t>8/1/2011</a:t>
+              <a:t>04-May-23</a:t>
             </a:fld>
             <a:endParaRPr lang="en-US"/>
           </a:p>
@@ -424,10 +417,9 @@
           <a:lstStyle/>
           <a:p>
             <a:r>
-              <a:rPr lang="en-US" smtClean="0"/>
+              <a:rPr lang="en-US"/>
               <a:t>Click to edit Master title style</a:t>
             </a:r>
-            <a:endParaRPr lang="en-US"/>
           </a:p>
         </p:txBody>
       </p:sp>
@@ -448,38 +440,37 @@
           <a:p>
             <a:pPr lvl="0"/>
             <a:r>
-              <a:rPr lang="en-US" smtClean="0"/>
+              <a:rPr lang="en-US"/>
               <a:t>Click to edit Master text styles</a:t>
             </a:r>
           </a:p>
           <a:p>
             <a:pPr lvl="1"/>
             <a:r>
-              <a:rPr lang="en-US" smtClean="0"/>
+              <a:rPr lang="en-US"/>
               <a:t>Second level</a:t>
             </a:r>
           </a:p>
           <a:p>
             <a:pPr lvl="2"/>
             <a:r>
-              <a:rPr lang="en-US" smtClean="0"/>
+              <a:rPr lang="en-US"/>
               <a:t>Third level</a:t>
             </a:r>
           </a:p>
           <a:p>
             <a:pPr lvl="3"/>
             <a:r>
-              <a:rPr lang="en-US" smtClean="0"/>
+              <a:rPr lang="en-US"/>
               <a:t>Fourth level</a:t>
             </a:r>
           </a:p>
           <a:p>
             <a:pPr lvl="4"/>
             <a:r>
-              <a:rPr lang="en-US" smtClean="0"/>
+              <a:rPr lang="en-US"/>
               <a:t>Fifth level</a:t>
             </a:r>
-            <a:endParaRPr lang="en-US"/>
           </a:p>
         </p:txBody>
       </p:sp>
@@ -501,7 +492,7 @@
             <a:fld id="{1D8BD707-D9CF-40AE-B4C6-C98DA3205C09}" type="datetimeFigureOut">
               <a:rPr lang="en-US" smtClean="0"/>
               <a:pPr/>
-              <a:t>8/1/2011</a:t>
+              <a:t>04-May-23</a:t>
             </a:fld>
             <a:endParaRPr lang="en-US"/>
           </a:p>
@@ -596,10 +587,9 @@
           <a:lstStyle/>
           <a:p>
             <a:r>
-              <a:rPr lang="en-US" smtClean="0"/>
+              <a:rPr lang="en-US"/>
               <a:t>Click to edit Master title style</a:t>
             </a:r>
-            <a:endParaRPr lang="en-US"/>
           </a:p>
         </p:txBody>
       </p:sp>
@@ -625,38 +615,37 @@
           <a:p>
             <a:pPr lvl="0"/>
             <a:r>
-              <a:rPr lang="en-US" smtClean="0"/>
+              <a:rPr lang="en-US"/>
               <a:t>Click to edit Master text styles</a:t>
             </a:r>
           </a:p>
           <a:p>
             <a:pPr lvl="1"/>
             <a:r>
-              <a:rPr lang="en-US" smtClean="0"/>
+              <a:rPr lang="en-US"/>
               <a:t>Second level</a:t>
             </a:r>
           </a:p>
           <a:p>
             <a:pPr lvl="2"/>
             <a:r>
-              <a:rPr lang="en-US" smtClean="0"/>
+              <a:rPr lang="en-US"/>
               <a:t>Third level</a:t>
             </a:r>
           </a:p>
           <a:p>
             <a:pPr lvl="3"/>
             <a:r>
-              <a:rPr lang="en-US" smtClean="0"/>
+              <a:rPr lang="en-US"/>
               <a:t>Fourth level</a:t>
             </a:r>
           </a:p>
           <a:p>
             <a:pPr lvl="4"/>
             <a:r>
-              <a:rPr lang="en-US" smtClean="0"/>
+              <a:rPr lang="en-US"/>
               <a:t>Fifth level</a:t>
             </a:r>
-            <a:endParaRPr lang="en-US"/>
           </a:p>
         </p:txBody>
       </p:sp>
@@ -678,7 +667,7 @@
             <a:fld id="{1D8BD707-D9CF-40AE-B4C6-C98DA3205C09}" type="datetimeFigureOut">
               <a:rPr lang="en-US" smtClean="0"/>
               <a:pPr/>
-              <a:t>8/1/2011</a:t>
+              <a:t>04-May-23</a:t>
             </a:fld>
             <a:endParaRPr lang="en-US"/>
           </a:p>
@@ -768,10 +757,9 @@
           <a:lstStyle/>
           <a:p>
             <a:r>
-              <a:rPr lang="en-US" smtClean="0"/>
+              <a:rPr lang="en-US"/>
               <a:t>Click to edit Master title style</a:t>
             </a:r>
-            <a:endParaRPr lang="en-US"/>
           </a:p>
         </p:txBody>
       </p:sp>
@@ -792,38 +780,37 @@
           <a:p>
             <a:pPr lvl="0"/>
             <a:r>
-              <a:rPr lang="en-US" smtClean="0"/>
+              <a:rPr lang="en-US"/>
               <a:t>Click to edit Master text styles</a:t>
             </a:r>
           </a:p>
           <a:p>
             <a:pPr lvl="1"/>
             <a:r>
-              <a:rPr lang="en-US" smtClean="0"/>
+              <a:rPr lang="en-US"/>
               <a:t>Second level</a:t>
             </a:r>
           </a:p>
           <a:p>
             <a:pPr lvl="2"/>
             <a:r>
-              <a:rPr lang="en-US" smtClean="0"/>
+              <a:rPr lang="en-US"/>
               <a:t>Third level</a:t>
             </a:r>
           </a:p>
           <a:p>
             <a:pPr lvl="3"/>
             <a:r>
-              <a:rPr lang="en-US" smtClean="0"/>
+              <a:rPr lang="en-US"/>
               <a:t>Fourth level</a:t>
             </a:r>
           </a:p>
           <a:p>
             <a:pPr lvl="4"/>
             <a:r>
-              <a:rPr lang="en-US" smtClean="0"/>
+              <a:rPr lang="en-US"/>
               <a:t>Fifth level</a:t>
             </a:r>
-            <a:endParaRPr lang="en-US"/>
           </a:p>
         </p:txBody>
       </p:sp>
@@ -845,7 +832,7 @@
             <a:fld id="{1D8BD707-D9CF-40AE-B4C6-C98DA3205C09}" type="datetimeFigureOut">
               <a:rPr lang="en-US" smtClean="0"/>
               <a:pPr/>
-              <a:t>8/1/2011</a:t>
+              <a:t>04-May-23</a:t>
             </a:fld>
             <a:endParaRPr lang="en-US"/>
           </a:p>
@@ -944,10 +931,9 @@
           </a:lstStyle>
           <a:p>
             <a:r>
-              <a:rPr lang="en-US" smtClean="0"/>
+              <a:rPr lang="en-US"/>
               <a:t>Click to edit Master title style</a:t>
             </a:r>
-            <a:endParaRPr lang="en-US"/>
           </a:p>
         </p:txBody>
       </p:sp>
@@ -1064,7 +1050,7 @@
           <a:p>
             <a:pPr lvl="0"/>
             <a:r>
-              <a:rPr lang="en-US" smtClean="0"/>
+              <a:rPr lang="en-US"/>
               <a:t>Click to edit Master text styles</a:t>
             </a:r>
           </a:p>
@@ -1088,7 +1074,7 @@
             <a:fld id="{1D8BD707-D9CF-40AE-B4C6-C98DA3205C09}" type="datetimeFigureOut">
               <a:rPr lang="en-US" smtClean="0"/>
               <a:pPr/>
-              <a:t>8/1/2011</a:t>
+              <a:t>04-May-23</a:t>
             </a:fld>
             <a:endParaRPr lang="en-US"/>
           </a:p>
@@ -1178,10 +1164,9 @@
           <a:lstStyle/>
           <a:p>
             <a:r>
-              <a:rPr lang="en-US" smtClean="0"/>
+              <a:rPr lang="en-US"/>
               <a:t>Click to edit Master title style</a:t>
             </a:r>
-            <a:endParaRPr lang="en-US"/>
           </a:p>
         </p:txBody>
       </p:sp>
@@ -1235,38 +1220,37 @@
           <a:p>
             <a:pPr lvl="0"/>
             <a:r>
-              <a:rPr lang="en-US" smtClean="0"/>
+              <a:rPr lang="en-US"/>
               <a:t>Click to edit Master text styles</a:t>
             </a:r>
           </a:p>
           <a:p>
             <a:pPr lvl="1"/>
             <a:r>
-              <a:rPr lang="en-US" smtClean="0"/>
+              <a:rPr lang="en-US"/>
               <a:t>Second level</a:t>
             </a:r>
           </a:p>
           <a:p>
             <a:pPr lvl="2"/>
             <a:r>
-              <a:rPr lang="en-US" smtClean="0"/>
+              <a:rPr lang="en-US"/>
               <a:t>Third level</a:t>
             </a:r>
           </a:p>
           <a:p>
             <a:pPr lvl="3"/>
             <a:r>
-              <a:rPr lang="en-US" smtClean="0"/>
+              <a:rPr lang="en-US"/>
               <a:t>Fourth level</a:t>
             </a:r>
           </a:p>
           <a:p>
             <a:pPr lvl="4"/>
             <a:r>
-              <a:rPr lang="en-US" smtClean="0"/>
+              <a:rPr lang="en-US"/>
               <a:t>Fifth level</a:t>
             </a:r>
-            <a:endParaRPr lang="en-US"/>
           </a:p>
         </p:txBody>
       </p:sp>
@@ -1320,38 +1304,37 @@
           <a:p>
             <a:pPr lvl="0"/>
             <a:r>
-              <a:rPr lang="en-US" smtClean="0"/>
+              <a:rPr lang="en-US"/>
               <a:t>Click to edit Master text styles</a:t>
             </a:r>
           </a:p>
           <a:p>
             <a:pPr lvl="1"/>
             <a:r>
-              <a:rPr lang="en-US" smtClean="0"/>
+              <a:rPr lang="en-US"/>
               <a:t>Second level</a:t>
             </a:r>
           </a:p>
           <a:p>
             <a:pPr lvl="2"/>
             <a:r>
-              <a:rPr lang="en-US" smtClean="0"/>
+              <a:rPr lang="en-US"/>
               <a:t>Third level</a:t>
             </a:r>
           </a:p>
           <a:p>
             <a:pPr lvl="3"/>
             <a:r>
-              <a:rPr lang="en-US" smtClean="0"/>
+              <a:rPr lang="en-US"/>
               <a:t>Fourth level</a:t>
             </a:r>
           </a:p>
           <a:p>
             <a:pPr lvl="4"/>
             <a:r>
-              <a:rPr lang="en-US" smtClean="0"/>
+              <a:rPr lang="en-US"/>
               <a:t>Fifth level</a:t>
             </a:r>
-            <a:endParaRPr lang="en-US"/>
           </a:p>
         </p:txBody>
       </p:sp>
@@ -1373,7 +1356,7 @@
             <a:fld id="{1D8BD707-D9CF-40AE-B4C6-C98DA3205C09}" type="datetimeFigureOut">
               <a:rPr lang="en-US" smtClean="0"/>
               <a:pPr/>
-              <a:t>8/1/2011</a:t>
+              <a:t>04-May-23</a:t>
             </a:fld>
             <a:endParaRPr lang="en-US"/>
           </a:p>
@@ -1467,10 +1450,9 @@
           </a:lstStyle>
           <a:p>
             <a:r>
-              <a:rPr lang="en-US" smtClean="0"/>
+              <a:rPr lang="en-US"/>
               <a:t>Click to edit Master title style</a:t>
             </a:r>
-            <a:endParaRPr lang="en-US"/>
           </a:p>
         </p:txBody>
       </p:sp>
@@ -1533,7 +1515,7 @@
           <a:p>
             <a:pPr lvl="0"/>
             <a:r>
-              <a:rPr lang="en-US" smtClean="0"/>
+              <a:rPr lang="en-US"/>
               <a:t>Click to edit Master text styles</a:t>
             </a:r>
           </a:p>
@@ -1589,38 +1571,37 @@
           <a:p>
             <a:pPr lvl="0"/>
             <a:r>
-              <a:rPr lang="en-US" smtClean="0"/>
+              <a:rPr lang="en-US"/>
               <a:t>Click to edit Master text styles</a:t>
             </a:r>
           </a:p>
           <a:p>
             <a:pPr lvl="1"/>
             <a:r>
-              <a:rPr lang="en-US" smtClean="0"/>
+              <a:rPr lang="en-US"/>
               <a:t>Second level</a:t>
             </a:r>
           </a:p>
           <a:p>
             <a:pPr lvl="2"/>
             <a:r>
-              <a:rPr lang="en-US" smtClean="0"/>
+              <a:rPr lang="en-US"/>
               <a:t>Third level</a:t>
             </a:r>
           </a:p>
           <a:p>
             <a:pPr lvl="3"/>
             <a:r>
-              <a:rPr lang="en-US" smtClean="0"/>
+              <a:rPr lang="en-US"/>
               <a:t>Fourth level</a:t>
             </a:r>
           </a:p>
           <a:p>
             <a:pPr lvl="4"/>
             <a:r>
-              <a:rPr lang="en-US" smtClean="0"/>
+              <a:rPr lang="en-US"/>
               <a:t>Fifth level</a:t>
             </a:r>
-            <a:endParaRPr lang="en-US"/>
           </a:p>
         </p:txBody>
       </p:sp>
@@ -1683,7 +1664,7 @@
           <a:p>
             <a:pPr lvl="0"/>
             <a:r>
-              <a:rPr lang="en-US" smtClean="0"/>
+              <a:rPr lang="en-US"/>
               <a:t>Click to edit Master text styles</a:t>
             </a:r>
           </a:p>
@@ -1739,38 +1720,37 @@
           <a:p>
             <a:pPr lvl="0"/>
             <a:r>
-              <a:rPr lang="en-US" smtClean="0"/>
+              <a:rPr lang="en-US"/>
               <a:t>Click to edit Master text styles</a:t>
             </a:r>
           </a:p>
           <a:p>
             <a:pPr lvl="1"/>
             <a:r>
-              <a:rPr lang="en-US" smtClean="0"/>
+              <a:rPr lang="en-US"/>
               <a:t>Second level</a:t>
             </a:r>
           </a:p>
           <a:p>
             <a:pPr lvl="2"/>
             <a:r>
-              <a:rPr lang="en-US" smtClean="0"/>
+              <a:rPr lang="en-US"/>
               <a:t>Third level</a:t>
             </a:r>
           </a:p>
           <a:p>
             <a:pPr lvl="3"/>
             <a:r>
-              <a:rPr lang="en-US" smtClean="0"/>
+              <a:rPr lang="en-US"/>
               <a:t>Fourth level</a:t>
             </a:r>
           </a:p>
           <a:p>
             <a:pPr lvl="4"/>
             <a:r>
-              <a:rPr lang="en-US" smtClean="0"/>
+              <a:rPr lang="en-US"/>
               <a:t>Fifth level</a:t>
             </a:r>
-            <a:endParaRPr lang="en-US"/>
           </a:p>
         </p:txBody>
       </p:sp>
@@ -1792,7 +1772,7 @@
             <a:fld id="{1D8BD707-D9CF-40AE-B4C6-C98DA3205C09}" type="datetimeFigureOut">
               <a:rPr lang="en-US" smtClean="0"/>
               <a:pPr/>
-              <a:t>8/1/2011</a:t>
+              <a:t>04-May-23</a:t>
             </a:fld>
             <a:endParaRPr lang="en-US"/>
           </a:p>
@@ -1882,10 +1862,9 @@
           <a:lstStyle/>
           <a:p>
             <a:r>
-              <a:rPr lang="en-US" smtClean="0"/>
+              <a:rPr lang="en-US"/>
               <a:t>Click to edit Master title style</a:t>
             </a:r>
-            <a:endParaRPr lang="en-US"/>
           </a:p>
         </p:txBody>
       </p:sp>
@@ -1907,7 +1886,7 @@
             <a:fld id="{1D8BD707-D9CF-40AE-B4C6-C98DA3205C09}" type="datetimeFigureOut">
               <a:rPr lang="en-US" smtClean="0"/>
               <a:pPr/>
-              <a:t>8/1/2011</a:t>
+              <a:t>04-May-23</a:t>
             </a:fld>
             <a:endParaRPr lang="en-US"/>
           </a:p>
@@ -1999,7 +1978,7 @@
             <a:fld id="{1D8BD707-D9CF-40AE-B4C6-C98DA3205C09}" type="datetimeFigureOut">
               <a:rPr lang="en-US" smtClean="0"/>
               <a:pPr/>
-              <a:t>8/1/2011</a:t>
+              <a:t>04-May-23</a:t>
             </a:fld>
             <a:endParaRPr lang="en-US"/>
           </a:p>
@@ -2098,10 +2077,9 @@
           </a:lstStyle>
           <a:p>
             <a:r>
-              <a:rPr lang="en-US" smtClean="0"/>
+              <a:rPr lang="en-US"/>
               <a:t>Click to edit Master title style</a:t>
             </a:r>
-            <a:endParaRPr lang="en-US"/>
           </a:p>
         </p:txBody>
       </p:sp>
@@ -2155,38 +2133,37 @@
           <a:p>
             <a:pPr lvl="0"/>
             <a:r>
-              <a:rPr lang="en-US" smtClean="0"/>
+              <a:rPr lang="en-US"/>
               <a:t>Click to edit Master text styles</a:t>
             </a:r>
           </a:p>
           <a:p>
             <a:pPr lvl="1"/>
             <a:r>
-              <a:rPr lang="en-US" smtClean="0"/>
+              <a:rPr lang="en-US"/>
               <a:t>Second level</a:t>
             </a:r>
           </a:p>
           <a:p>
             <a:pPr lvl="2"/>
             <a:r>
-              <a:rPr lang="en-US" smtClean="0"/>
+              <a:rPr lang="en-US"/>
               <a:t>Third level</a:t>
             </a:r>
           </a:p>
           <a:p>
             <a:pPr lvl="3"/>
             <a:r>
-              <a:rPr lang="en-US" smtClean="0"/>
+              <a:rPr lang="en-US"/>
               <a:t>Fourth level</a:t>
             </a:r>
           </a:p>
           <a:p>
             <a:pPr lvl="4"/>
             <a:r>
-              <a:rPr lang="en-US" smtClean="0"/>
+              <a:rPr lang="en-US"/>
               <a:t>Fifth level</a:t>
             </a:r>
-            <a:endParaRPr lang="en-US"/>
           </a:p>
         </p:txBody>
       </p:sp>
@@ -2249,7 +2226,7 @@
           <a:p>
             <a:pPr lvl="0"/>
             <a:r>
-              <a:rPr lang="en-US" smtClean="0"/>
+              <a:rPr lang="en-US"/>
               <a:t>Click to edit Master text styles</a:t>
             </a:r>
           </a:p>
@@ -2273,7 +2250,7 @@
             <a:fld id="{1D8BD707-D9CF-40AE-B4C6-C98DA3205C09}" type="datetimeFigureOut">
               <a:rPr lang="en-US" smtClean="0"/>
               <a:pPr/>
-              <a:t>8/1/2011</a:t>
+              <a:t>04-May-23</a:t>
             </a:fld>
             <a:endParaRPr lang="en-US"/>
           </a:p>
@@ -2372,10 +2349,9 @@
           </a:lstStyle>
           <a:p>
             <a:r>
-              <a:rPr lang="en-US" smtClean="0"/>
+              <a:rPr lang="en-US"/>
               <a:t>Click to edit Master title style</a:t>
             </a:r>
-            <a:endParaRPr lang="en-US"/>
           </a:p>
         </p:txBody>
       </p:sp>
@@ -2499,7 +2475,7 @@
           <a:p>
             <a:pPr lvl="0"/>
             <a:r>
-              <a:rPr lang="en-US" smtClean="0"/>
+              <a:rPr lang="en-US"/>
               <a:t>Click to edit Master text styles</a:t>
             </a:r>
           </a:p>
@@ -2523,7 +2499,7 @@
             <a:fld id="{1D8BD707-D9CF-40AE-B4C6-C98DA3205C09}" type="datetimeFigureOut">
               <a:rPr lang="en-US" smtClean="0"/>
               <a:pPr/>
-              <a:t>8/1/2011</a:t>
+              <a:t>04-May-23</a:t>
             </a:fld>
             <a:endParaRPr lang="en-US"/>
           </a:p>
@@ -2628,10 +2604,9 @@
           <a:lstStyle/>
           <a:p>
             <a:r>
-              <a:rPr lang="en-US" smtClean="0"/>
+              <a:rPr lang="en-US"/>
               <a:t>Click to edit Master title style</a:t>
             </a:r>
-            <a:endParaRPr lang="en-US"/>
           </a:p>
         </p:txBody>
       </p:sp>
@@ -2662,38 +2637,37 @@
           <a:p>
             <a:pPr lvl="0"/>
             <a:r>
-              <a:rPr lang="en-US" smtClean="0"/>
+              <a:rPr lang="en-US"/>
               <a:t>Click to edit Master text styles</a:t>
             </a:r>
           </a:p>
           <a:p>
             <a:pPr lvl="1"/>
             <a:r>
-              <a:rPr lang="en-US" smtClean="0"/>
+              <a:rPr lang="en-US"/>
               <a:t>Second level</a:t>
             </a:r>
           </a:p>
           <a:p>
             <a:pPr lvl="2"/>
             <a:r>
-              <a:rPr lang="en-US" smtClean="0"/>
+              <a:rPr lang="en-US"/>
               <a:t>Third level</a:t>
             </a:r>
           </a:p>
           <a:p>
             <a:pPr lvl="3"/>
             <a:r>
-              <a:rPr lang="en-US" smtClean="0"/>
+              <a:rPr lang="en-US"/>
               <a:t>Fourth level</a:t>
             </a:r>
           </a:p>
           <a:p>
             <a:pPr lvl="4"/>
             <a:r>
-              <a:rPr lang="en-US" smtClean="0"/>
+              <a:rPr lang="en-US"/>
               <a:t>Fifth level</a:t>
             </a:r>
-            <a:endParaRPr lang="en-US"/>
           </a:p>
         </p:txBody>
       </p:sp>
@@ -2733,7 +2707,7 @@
             <a:fld id="{1D8BD707-D9CF-40AE-B4C6-C98DA3205C09}" type="datetimeFigureOut">
               <a:rPr lang="en-US" smtClean="0"/>
               <a:pPr/>
-              <a:t>8/1/2011</a:t>
+              <a:t>04-May-23</a:t>
             </a:fld>
             <a:endParaRPr lang="en-US"/>
           </a:p>
@@ -3088,13 +3062,14 @@
 </file>
 
 <file path=ppt/slides/slide1.xml><?xml version="1.0" encoding="utf-8"?>
-<p:sld xmlns:p="http://schemas.openxmlformats.org/presentationml/2006/main" xmlns:a="http://schemas.openxmlformats.org/drawingml/2006/main" xmlns:r="http://schemas.openxmlformats.org/officeDocument/2006/relationships">
+<p:sld xmlns:a="http://schemas.openxmlformats.org/drawingml/2006/main" xmlns:r="http://schemas.openxmlformats.org/officeDocument/2006/relationships" xmlns:p="http://schemas.openxmlformats.org/presentationml/2006/main">
   <p:cSld>
     <p:bg>
       <p:bgPr>
         <a:solidFill>
           <a:srgbClr val="F8F8F8"/>
         </a:solidFill>
+        <a:effectLst/>
       </p:bgPr>
     </p:bg>
     <p:spTree>
@@ -3113,12 +3088,12 @@
       </p:grpSpPr>
       <p:sp>
         <p:nvSpPr>
-          <p:cNvPr name="AutoShape 2" id="2"/>
+          <p:cNvPr id="2" name="AutoShape 2"/>
           <p:cNvSpPr/>
           <p:nvPr/>
         </p:nvSpPr>
         <p:spPr>
-          <a:xfrm rot="0">
+          <a:xfrm>
             <a:off x="485556" y="454609"/>
             <a:ext cx="17316887" cy="9377782"/>
           </a:xfrm>
@@ -3132,12 +3107,12 @@
       </p:sp>
       <p:sp>
         <p:nvSpPr>
-          <p:cNvPr name="AutoShape 3" id="3"/>
+          <p:cNvPr id="3" name="AutoShape 3"/>
           <p:cNvSpPr/>
           <p:nvPr/>
         </p:nvSpPr>
         <p:spPr>
-          <a:xfrm rot="0">
+          <a:xfrm>
             <a:off x="8453996" y="2438930"/>
             <a:ext cx="1175568" cy="137659"/>
           </a:xfrm>
@@ -3151,21 +3126,21 @@
       </p:sp>
       <p:pic>
         <p:nvPicPr>
-          <p:cNvPr name="Picture 4" id="4"/>
+          <p:cNvPr id="4" name="Picture 4"/>
           <p:cNvPicPr>
-            <a:picLocks noChangeAspect="true"/>
+            <a:picLocks noChangeAspect="1"/>
           </p:cNvPicPr>
           <p:nvPr/>
         </p:nvPicPr>
         <p:blipFill>
           <a:blip r:embed="rId2"/>
-          <a:srcRect l="75438" t="0" r="0" b="0"/>
+          <a:srcRect l="75438"/>
           <a:stretch>
             <a:fillRect/>
           </a:stretch>
         </p:blipFill>
         <p:spPr>
-          <a:xfrm flipH="false" flipV="false" rot="0">
+          <a:xfrm>
             <a:off x="12161021" y="4842417"/>
             <a:ext cx="4002056" cy="7972112"/>
           </a:xfrm>
@@ -3176,12 +3151,12 @@
       </p:pic>
       <p:sp>
         <p:nvSpPr>
-          <p:cNvPr name="TextBox 5" id="5"/>
-          <p:cNvSpPr txBox="true"/>
-          <p:nvPr/>
-        </p:nvSpPr>
-        <p:spPr>
-          <a:xfrm rot="0">
+          <p:cNvPr id="5" name="TextBox 5"/>
+          <p:cNvSpPr txBox="1"/>
+          <p:nvPr/>
+        </p:nvSpPr>
+        <p:spPr>
+          <a:xfrm>
             <a:off x="1028700" y="857250"/>
             <a:ext cx="16230600" cy="1460500"/>
           </a:xfrm>
@@ -3190,7 +3165,7 @@
           </a:prstGeom>
         </p:spPr>
         <p:txBody>
-          <a:bodyPr anchor="t" rtlCol="false" tIns="0" lIns="0" bIns="0" rIns="0">
+          <a:bodyPr lIns="0" tIns="0" rIns="0" bIns="0" rtlCol="0" anchor="t">
             <a:spAutoFit/>
           </a:bodyPr>
           <a:lstStyle/>
@@ -3214,12 +3189,12 @@
       </p:sp>
       <p:sp>
         <p:nvSpPr>
-          <p:cNvPr name="TextBox 6" id="6"/>
-          <p:cNvSpPr txBox="true"/>
-          <p:nvPr/>
-        </p:nvSpPr>
-        <p:spPr>
-          <a:xfrm rot="0">
+          <p:cNvPr id="6" name="TextBox 6"/>
+          <p:cNvSpPr txBox="1"/>
+          <p:nvPr/>
+        </p:nvSpPr>
+        <p:spPr>
+          <a:xfrm>
             <a:off x="4717084" y="2786139"/>
             <a:ext cx="8649392" cy="365760"/>
           </a:xfrm>
@@ -3228,7 +3203,7 @@
           </a:prstGeom>
         </p:spPr>
         <p:txBody>
-          <a:bodyPr anchor="t" rtlCol="false" tIns="0" lIns="0" bIns="0" rIns="0">
+          <a:bodyPr lIns="0" tIns="0" rIns="0" bIns="0" rtlCol="0" anchor="t">
             <a:spAutoFit/>
           </a:bodyPr>
           <a:lstStyle/>
@@ -3252,12 +3227,12 @@
       </p:sp>
       <p:sp>
         <p:nvSpPr>
-          <p:cNvPr name="TextBox 7" id="7"/>
-          <p:cNvSpPr txBox="true"/>
-          <p:nvPr/>
-        </p:nvSpPr>
-        <p:spPr>
-          <a:xfrm rot="0">
+          <p:cNvPr id="7" name="TextBox 7"/>
+          <p:cNvSpPr txBox="1"/>
+          <p:nvPr/>
+        </p:nvSpPr>
+        <p:spPr>
+          <a:xfrm>
             <a:off x="1028700" y="6425906"/>
             <a:ext cx="9904507" cy="719168"/>
           </a:xfrm>
@@ -3266,7 +3241,7 @@
           </a:prstGeom>
         </p:spPr>
         <p:txBody>
-          <a:bodyPr anchor="t" rtlCol="false" tIns="0" lIns="0" bIns="0" rIns="0">
+          <a:bodyPr lIns="0" tIns="0" rIns="0" bIns="0" rtlCol="0" anchor="t">
             <a:spAutoFit/>
           </a:bodyPr>
           <a:lstStyle/>
@@ -3290,12 +3265,12 @@
       </p:sp>
       <p:sp>
         <p:nvSpPr>
-          <p:cNvPr name="TextBox 8" id="8"/>
-          <p:cNvSpPr txBox="true"/>
-          <p:nvPr/>
-        </p:nvSpPr>
-        <p:spPr>
-          <a:xfrm rot="0">
+          <p:cNvPr id="8" name="TextBox 8"/>
+          <p:cNvSpPr txBox="1"/>
+          <p:nvPr/>
+        </p:nvSpPr>
+        <p:spPr>
+          <a:xfrm>
             <a:off x="1153673" y="4920393"/>
             <a:ext cx="9904507" cy="719168"/>
           </a:xfrm>
@@ -3304,7 +3279,7 @@
           </a:prstGeom>
         </p:spPr>
         <p:txBody>
-          <a:bodyPr anchor="t" rtlCol="false" tIns="0" lIns="0" bIns="0" rIns="0">
+          <a:bodyPr lIns="0" tIns="0" rIns="0" bIns="0" rtlCol="0" anchor="t">
             <a:spAutoFit/>
           </a:bodyPr>
           <a:lstStyle/>
@@ -3328,12 +3303,12 @@
       </p:sp>
       <p:sp>
         <p:nvSpPr>
-          <p:cNvPr name="TextBox 9" id="9"/>
-          <p:cNvSpPr txBox="true"/>
-          <p:nvPr/>
-        </p:nvSpPr>
-        <p:spPr>
-          <a:xfrm rot="0">
+          <p:cNvPr id="9" name="TextBox 9"/>
+          <p:cNvSpPr txBox="1"/>
+          <p:nvPr/>
+        </p:nvSpPr>
+        <p:spPr>
+          <a:xfrm>
             <a:off x="707680" y="7823986"/>
             <a:ext cx="9904507" cy="719168"/>
           </a:xfrm>
@@ -3342,7 +3317,7 @@
           </a:prstGeom>
         </p:spPr>
         <p:txBody>
-          <a:bodyPr anchor="t" rtlCol="false" tIns="0" lIns="0" bIns="0" rIns="0">
+          <a:bodyPr lIns="0" tIns="0" rIns="0" bIns="0" rtlCol="0" anchor="t">
             <a:spAutoFit/>
           </a:bodyPr>
           <a:lstStyle/>
@@ -3366,12 +3341,12 @@
       </p:sp>
       <p:sp>
         <p:nvSpPr>
-          <p:cNvPr name="TextBox 10" id="10"/>
-          <p:cNvSpPr txBox="true"/>
-          <p:nvPr/>
-        </p:nvSpPr>
-        <p:spPr>
-          <a:xfrm rot="0">
+          <p:cNvPr id="10" name="TextBox 10"/>
+          <p:cNvSpPr txBox="1"/>
+          <p:nvPr/>
+        </p:nvSpPr>
+        <p:spPr>
+          <a:xfrm>
             <a:off x="1153673" y="8560454"/>
             <a:ext cx="7888108" cy="488413"/>
           </a:xfrm>
@@ -3380,7 +3355,7 @@
           </a:prstGeom>
         </p:spPr>
         <p:txBody>
-          <a:bodyPr anchor="t" rtlCol="false" tIns="0" lIns="0" bIns="0" rIns="0">
+          <a:bodyPr lIns="0" tIns="0" rIns="0" bIns="0" rtlCol="0" anchor="t">
             <a:spAutoFit/>
           </a:bodyPr>
           <a:lstStyle/>
@@ -3414,12 +3389,12 @@
       </p:sp>
       <p:sp>
         <p:nvSpPr>
-          <p:cNvPr name="TextBox 11" id="11"/>
-          <p:cNvSpPr txBox="true"/>
-          <p:nvPr/>
-        </p:nvSpPr>
-        <p:spPr>
-          <a:xfrm rot="0">
+          <p:cNvPr id="11" name="TextBox 11"/>
+          <p:cNvSpPr txBox="1"/>
+          <p:nvPr/>
+        </p:nvSpPr>
+        <p:spPr>
+          <a:xfrm>
             <a:off x="1381344" y="5591936"/>
             <a:ext cx="9978961" cy="488413"/>
           </a:xfrm>
@@ -3428,7 +3403,7 @@
           </a:prstGeom>
         </p:spPr>
         <p:txBody>
-          <a:bodyPr anchor="t" rtlCol="false" tIns="0" lIns="0" bIns="0" rIns="0">
+          <a:bodyPr lIns="0" tIns="0" rIns="0" bIns="0" rtlCol="0" anchor="t">
             <a:spAutoFit/>
           </a:bodyPr>
           <a:lstStyle/>
@@ -3453,12 +3428,12 @@
       </p:sp>
       <p:sp>
         <p:nvSpPr>
-          <p:cNvPr name="TextBox 12" id="12"/>
-          <p:cNvSpPr txBox="true"/>
-          <p:nvPr/>
-        </p:nvSpPr>
-        <p:spPr>
-          <a:xfrm rot="0">
+          <p:cNvPr id="12" name="TextBox 12"/>
+          <p:cNvSpPr txBox="1"/>
+          <p:nvPr/>
+        </p:nvSpPr>
+        <p:spPr>
+          <a:xfrm>
             <a:off x="1381344" y="7126023"/>
             <a:ext cx="8557181" cy="488413"/>
           </a:xfrm>
@@ -3467,7 +3442,7 @@
           </a:prstGeom>
         </p:spPr>
         <p:txBody>
-          <a:bodyPr anchor="t" rtlCol="false" tIns="0" lIns="0" bIns="0" rIns="0">
+          <a:bodyPr lIns="0" tIns="0" rIns="0" bIns="0" rtlCol="0" anchor="t">
             <a:spAutoFit/>
           </a:bodyPr>
           <a:lstStyle/>
@@ -3492,21 +3467,21 @@
       </p:sp>
       <p:sp>
         <p:nvSpPr>
-          <p:cNvPr name="TextBox 13" id="13"/>
-          <p:cNvSpPr txBox="true"/>
-          <p:nvPr/>
-        </p:nvSpPr>
-        <p:spPr>
-          <a:xfrm rot="0">
+          <p:cNvPr id="13" name="TextBox 13"/>
+          <p:cNvSpPr txBox="1"/>
+          <p:nvPr/>
+        </p:nvSpPr>
+        <p:spPr>
+          <a:xfrm>
             <a:off x="1381344" y="3621414"/>
-            <a:ext cx="12845267" cy="488900"/>
+            <a:ext cx="12845267" cy="495392"/>
           </a:xfrm>
           <a:prstGeom prst="rect">
             <a:avLst/>
           </a:prstGeom>
         </p:spPr>
         <p:txBody>
-          <a:bodyPr anchor="t" rtlCol="false" tIns="0" lIns="0" bIns="0" rIns="0">
+          <a:bodyPr lIns="0" tIns="0" rIns="0" bIns="0" rtlCol="0" anchor="t">
             <a:spAutoFit/>
           </a:bodyPr>
           <a:lstStyle/>
@@ -3516,6 +3491,24 @@
                 <a:spcPts val="4027"/>
               </a:lnSpc>
             </a:pPr>
+            <a:r>
+              <a:rPr lang="en-US" sz="2876" dirty="0" err="1">
+                <a:solidFill>
+                  <a:srgbClr val="FF5757"/>
+                </a:solidFill>
+                <a:latin typeface="League Spartan"/>
+              </a:rPr>
+              <a:t>Github</a:t>
+            </a:r>
+            <a:r>
+              <a:rPr lang="en-US" sz="2876" dirty="0">
+                <a:solidFill>
+                  <a:srgbClr val="FF5757"/>
+                </a:solidFill>
+                <a:latin typeface="League Spartan"/>
+              </a:rPr>
+              <a:t> link</a:t>
+            </a:r>
             <a:r>
               <a:rPr lang="en-US" sz="2876">
                 <a:solidFill>
@@ -3523,7 +3516,7 @@
                 </a:solidFill>
                 <a:latin typeface="League Spartan"/>
               </a:rPr>
-              <a:t>Github link:  </a:t>
+              <a:t>:  </a:t>
             </a:r>
             <a:r>
               <a:rPr lang="en-US" sz="2876">
@@ -3532,8 +3525,14 @@
                 </a:solidFill>
                 <a:latin typeface="League Spartan"/>
               </a:rPr>
-              <a:t>github.com/byomkesh2580/Movie-Web-Series-Portal</a:t>
-            </a:r>
+              <a:t>https://github.com/byomkesh2580/movie-portal</a:t>
+            </a:r>
+            <a:endParaRPr lang="en-US" sz="2876" dirty="0">
+              <a:solidFill>
+                <a:srgbClr val="000000"/>
+              </a:solidFill>
+              <a:latin typeface="League Spartan"/>
+            </a:endParaRPr>
           </a:p>
         </p:txBody>
       </p:sp>
@@ -3546,13 +3545,14 @@
 </file>
 
 <file path=ppt/slides/slide2.xml><?xml version="1.0" encoding="utf-8"?>
-<p:sld xmlns:p="http://schemas.openxmlformats.org/presentationml/2006/main" xmlns:a="http://schemas.openxmlformats.org/drawingml/2006/main" xmlns:r="http://schemas.openxmlformats.org/officeDocument/2006/relationships">
+<p:sld xmlns:a="http://schemas.openxmlformats.org/drawingml/2006/main" xmlns:r="http://schemas.openxmlformats.org/officeDocument/2006/relationships" xmlns:p="http://schemas.openxmlformats.org/presentationml/2006/main">
   <p:cSld>
     <p:bg>
       <p:bgPr>
         <a:solidFill>
           <a:srgbClr val="F8F8F8"/>
         </a:solidFill>
+        <a:effectLst/>
       </p:bgPr>
     </p:bg>
     <p:spTree>
@@ -3571,12 +3571,12 @@
       </p:grpSpPr>
       <p:sp>
         <p:nvSpPr>
-          <p:cNvPr name="AutoShape 2" id="2"/>
+          <p:cNvPr id="2" name="AutoShape 2"/>
           <p:cNvSpPr/>
           <p:nvPr/>
         </p:nvSpPr>
         <p:spPr>
-          <a:xfrm rot="0">
+          <a:xfrm>
             <a:off x="485556" y="454609"/>
             <a:ext cx="17316887" cy="9377782"/>
           </a:xfrm>
@@ -3590,12 +3590,12 @@
       </p:sp>
       <p:sp>
         <p:nvSpPr>
-          <p:cNvPr name="TextBox 3" id="3"/>
-          <p:cNvSpPr txBox="true"/>
-          <p:nvPr/>
-        </p:nvSpPr>
-        <p:spPr>
-          <a:xfrm rot="0">
+          <p:cNvPr id="3" name="TextBox 3"/>
+          <p:cNvSpPr txBox="1"/>
+          <p:nvPr/>
+        </p:nvSpPr>
+        <p:spPr>
+          <a:xfrm>
             <a:off x="1028700" y="3895725"/>
             <a:ext cx="6949700" cy="2263775"/>
           </a:xfrm>
@@ -3604,7 +3604,7 @@
           </a:prstGeom>
         </p:spPr>
         <p:txBody>
-          <a:bodyPr anchor="t" rtlCol="false" tIns="0" lIns="0" bIns="0" rIns="0">
+          <a:bodyPr lIns="0" tIns="0" rIns="0" bIns="0" rtlCol="0" anchor="t">
             <a:spAutoFit/>
           </a:bodyPr>
           <a:lstStyle/>
@@ -3628,12 +3628,12 @@
       </p:sp>
       <p:sp>
         <p:nvSpPr>
-          <p:cNvPr name="TextBox 4" id="4"/>
-          <p:cNvSpPr txBox="true"/>
-          <p:nvPr/>
-        </p:nvSpPr>
-        <p:spPr>
-          <a:xfrm rot="0">
+          <p:cNvPr id="4" name="TextBox 4"/>
+          <p:cNvSpPr txBox="1"/>
+          <p:nvPr/>
+        </p:nvSpPr>
+        <p:spPr>
+          <a:xfrm>
             <a:off x="9472784" y="2542152"/>
             <a:ext cx="7786516" cy="1186815"/>
           </a:xfrm>
@@ -3642,7 +3642,7 @@
           </a:prstGeom>
         </p:spPr>
         <p:txBody>
-          <a:bodyPr anchor="t" rtlCol="false" tIns="0" lIns="0" bIns="0" rIns="0">
+          <a:bodyPr lIns="0" tIns="0" rIns="0" bIns="0" rtlCol="0" anchor="t">
             <a:spAutoFit/>
           </a:bodyPr>
           <a:lstStyle/>
@@ -3666,12 +3666,12 @@
       </p:sp>
       <p:sp>
         <p:nvSpPr>
-          <p:cNvPr name="TextBox 5" id="5"/>
-          <p:cNvSpPr txBox="true"/>
-          <p:nvPr/>
-        </p:nvSpPr>
-        <p:spPr>
-          <a:xfrm rot="0">
+          <p:cNvPr id="5" name="TextBox 5"/>
+          <p:cNvSpPr txBox="1"/>
+          <p:nvPr/>
+        </p:nvSpPr>
+        <p:spPr>
+          <a:xfrm>
             <a:off x="8676330" y="2580252"/>
             <a:ext cx="467670" cy="382270"/>
           </a:xfrm>
@@ -3680,7 +3680,7 @@
           </a:prstGeom>
         </p:spPr>
         <p:txBody>
-          <a:bodyPr anchor="t" rtlCol="false" tIns="0" lIns="0" bIns="0" rIns="0">
+          <a:bodyPr lIns="0" tIns="0" rIns="0" bIns="0" rtlCol="0" anchor="t">
             <a:spAutoFit/>
           </a:bodyPr>
           <a:lstStyle/>
@@ -3704,12 +3704,12 @@
       </p:sp>
       <p:sp>
         <p:nvSpPr>
-          <p:cNvPr name="AutoShape 6" id="6"/>
+          <p:cNvPr id="6" name="AutoShape 6"/>
           <p:cNvSpPr/>
           <p:nvPr/>
         </p:nvSpPr>
         <p:spPr>
-          <a:xfrm rot="0">
+          <a:xfrm>
             <a:off x="1028700" y="6457950"/>
             <a:ext cx="1175568" cy="137659"/>
           </a:xfrm>
@@ -3723,12 +3723,12 @@
       </p:sp>
       <p:sp>
         <p:nvSpPr>
-          <p:cNvPr name="TextBox 7" id="7"/>
-          <p:cNvSpPr txBox="true"/>
-          <p:nvPr/>
-        </p:nvSpPr>
-        <p:spPr>
-          <a:xfrm rot="0">
+          <p:cNvPr id="7" name="TextBox 7"/>
+          <p:cNvSpPr txBox="1"/>
+          <p:nvPr/>
+        </p:nvSpPr>
+        <p:spPr>
+          <a:xfrm>
             <a:off x="9472784" y="4505891"/>
             <a:ext cx="7786516" cy="1586865"/>
           </a:xfrm>
@@ -3737,7 +3737,7 @@
           </a:prstGeom>
         </p:spPr>
         <p:txBody>
-          <a:bodyPr anchor="t" rtlCol="false" tIns="0" lIns="0" bIns="0" rIns="0">
+          <a:bodyPr lIns="0" tIns="0" rIns="0" bIns="0" rtlCol="0" anchor="t">
             <a:spAutoFit/>
           </a:bodyPr>
           <a:lstStyle/>
@@ -3761,12 +3761,12 @@
       </p:sp>
       <p:sp>
         <p:nvSpPr>
-          <p:cNvPr name="TextBox 8" id="8"/>
-          <p:cNvSpPr txBox="true"/>
-          <p:nvPr/>
-        </p:nvSpPr>
-        <p:spPr>
-          <a:xfrm rot="0">
+          <p:cNvPr id="8" name="TextBox 8"/>
+          <p:cNvSpPr txBox="1"/>
+          <p:nvPr/>
+        </p:nvSpPr>
+        <p:spPr>
+          <a:xfrm>
             <a:off x="9472784" y="6469629"/>
             <a:ext cx="7786516" cy="1186815"/>
           </a:xfrm>
@@ -3775,7 +3775,7 @@
           </a:prstGeom>
         </p:spPr>
         <p:txBody>
-          <a:bodyPr anchor="t" rtlCol="false" tIns="0" lIns="0" bIns="0" rIns="0">
+          <a:bodyPr lIns="0" tIns="0" rIns="0" bIns="0" rtlCol="0" anchor="t">
             <a:spAutoFit/>
           </a:bodyPr>
           <a:lstStyle/>
@@ -3799,12 +3799,12 @@
       </p:sp>
       <p:sp>
         <p:nvSpPr>
-          <p:cNvPr name="TextBox 9" id="9"/>
-          <p:cNvSpPr txBox="true"/>
-          <p:nvPr/>
-        </p:nvSpPr>
-        <p:spPr>
-          <a:xfrm rot="0">
+          <p:cNvPr id="9" name="TextBox 9"/>
+          <p:cNvSpPr txBox="1"/>
+          <p:nvPr/>
+        </p:nvSpPr>
+        <p:spPr>
+          <a:xfrm>
             <a:off x="8676330" y="4553516"/>
             <a:ext cx="467670" cy="382270"/>
           </a:xfrm>
@@ -3813,7 +3813,7 @@
           </a:prstGeom>
         </p:spPr>
         <p:txBody>
-          <a:bodyPr anchor="t" rtlCol="false" tIns="0" lIns="0" bIns="0" rIns="0">
+          <a:bodyPr lIns="0" tIns="0" rIns="0" bIns="0" rtlCol="0" anchor="t">
             <a:spAutoFit/>
           </a:bodyPr>
           <a:lstStyle/>
@@ -3837,12 +3837,12 @@
       </p:sp>
       <p:sp>
         <p:nvSpPr>
-          <p:cNvPr name="TextBox 10" id="10"/>
-          <p:cNvSpPr txBox="true"/>
-          <p:nvPr/>
-        </p:nvSpPr>
-        <p:spPr>
-          <a:xfrm rot="0">
+          <p:cNvPr id="10" name="TextBox 10"/>
+          <p:cNvSpPr txBox="1"/>
+          <p:nvPr/>
+        </p:nvSpPr>
+        <p:spPr>
+          <a:xfrm>
             <a:off x="8676330" y="6517254"/>
             <a:ext cx="467670" cy="382270"/>
           </a:xfrm>
@@ -3851,7 +3851,7 @@
           </a:prstGeom>
         </p:spPr>
         <p:txBody>
-          <a:bodyPr anchor="t" rtlCol="false" tIns="0" lIns="0" bIns="0" rIns="0">
+          <a:bodyPr lIns="0" tIns="0" rIns="0" bIns="0" rtlCol="0" anchor="t">
             <a:spAutoFit/>
           </a:bodyPr>
           <a:lstStyle/>
@@ -3875,12 +3875,12 @@
       </p:sp>
       <p:grpSp>
         <p:nvGrpSpPr>
-          <p:cNvPr name="Group 11" id="11"/>
+          <p:cNvPr id="11" name="Group 11"/>
           <p:cNvGrpSpPr/>
           <p:nvPr/>
         </p:nvGrpSpPr>
         <p:grpSpPr>
-          <a:xfrm rot="0">
+          <a:xfrm>
             <a:off x="16991245" y="8907589"/>
             <a:ext cx="268055" cy="350711"/>
             <a:chOff x="0" y="0"/>
@@ -3889,14 +3889,14 @@
         </p:grpSpPr>
         <p:pic>
           <p:nvPicPr>
-            <p:cNvPr name="Picture 12" id="12"/>
+            <p:cNvPr id="12" name="Picture 12"/>
             <p:cNvPicPr>
-              <a:picLocks noChangeAspect="true"/>
+              <a:picLocks noChangeAspect="1"/>
             </p:cNvPicPr>
             <p:nvPr/>
           </p:nvPicPr>
           <p:blipFill>
-            <a:blip r:embed="rId2">
+            <a:blip r:embed="rId2" cstate="print">
               <a:extLst>
                 <a:ext uri="{28A0092B-C50C-407E-A947-70E740481C1C}">
                   <a14:useLocalDpi xmlns:a14="http://schemas.microsoft.com/office/drawing/2010/main" val="0"/>
@@ -3906,13 +3906,13 @@
                 </a:ext>
               </a:extLst>
             </a:blip>
-            <a:srcRect l="0" t="0" r="0" b="0"/>
+            <a:srcRect/>
             <a:stretch>
               <a:fillRect/>
             </a:stretch>
           </p:blipFill>
           <p:spPr>
-            <a:xfrm flipH="false" flipV="false" rot="-5400000">
+            <a:xfrm rot="-5400000">
               <a:off x="40597" y="150806"/>
               <a:ext cx="467614" cy="166003"/>
             </a:xfrm>
@@ -3923,14 +3923,14 @@
         </p:pic>
         <p:pic>
           <p:nvPicPr>
-            <p:cNvPr name="Picture 13" id="13"/>
+            <p:cNvPr id="13" name="Picture 13"/>
             <p:cNvPicPr>
-              <a:picLocks noChangeAspect="true"/>
+              <a:picLocks noChangeAspect="1"/>
             </p:cNvPicPr>
             <p:nvPr/>
           </p:nvPicPr>
           <p:blipFill>
-            <a:blip r:embed="rId2">
+            <a:blip r:embed="rId2" cstate="print">
               <a:extLst>
                 <a:ext uri="{28A0092B-C50C-407E-A947-70E740481C1C}">
                   <a14:useLocalDpi xmlns:a14="http://schemas.microsoft.com/office/drawing/2010/main" val="0"/>
@@ -3940,13 +3940,13 @@
                 </a:ext>
               </a:extLst>
             </a:blip>
-            <a:srcRect l="0" t="0" r="0" b="0"/>
+            <a:srcRect/>
             <a:stretch>
               <a:fillRect/>
             </a:stretch>
           </p:blipFill>
           <p:spPr>
-            <a:xfrm flipH="false" flipV="false" rot="-5400000">
+            <a:xfrm rot="-5400000">
               <a:off x="-150806" y="150806"/>
               <a:ext cx="467614" cy="166003"/>
             </a:xfrm>
@@ -3965,13 +3965,14 @@
 </file>
 
 <file path=ppt/slides/slide3.xml><?xml version="1.0" encoding="utf-8"?>
-<p:sld xmlns:p="http://schemas.openxmlformats.org/presentationml/2006/main" xmlns:a="http://schemas.openxmlformats.org/drawingml/2006/main" xmlns:r="http://schemas.openxmlformats.org/officeDocument/2006/relationships">
+<p:sld xmlns:a="http://schemas.openxmlformats.org/drawingml/2006/main" xmlns:r="http://schemas.openxmlformats.org/officeDocument/2006/relationships" xmlns:p="http://schemas.openxmlformats.org/presentationml/2006/main">
   <p:cSld>
     <p:bg>
       <p:bgPr>
         <a:solidFill>
           <a:srgbClr val="F8F8F8"/>
         </a:solidFill>
+        <a:effectLst/>
       </p:bgPr>
     </p:bg>
     <p:spTree>
@@ -3990,12 +3991,12 @@
       </p:grpSpPr>
       <p:sp>
         <p:nvSpPr>
-          <p:cNvPr name="AutoShape 2" id="2"/>
+          <p:cNvPr id="2" name="AutoShape 2"/>
           <p:cNvSpPr/>
           <p:nvPr/>
         </p:nvSpPr>
         <p:spPr>
-          <a:xfrm rot="0">
+          <a:xfrm>
             <a:off x="485556" y="454609"/>
             <a:ext cx="17316887" cy="9377782"/>
           </a:xfrm>
@@ -4009,12 +4010,12 @@
       </p:sp>
       <p:sp>
         <p:nvSpPr>
-          <p:cNvPr name="AutoShape 3" id="3"/>
+          <p:cNvPr id="3" name="AutoShape 3"/>
           <p:cNvSpPr/>
           <p:nvPr/>
         </p:nvSpPr>
         <p:spPr>
-          <a:xfrm rot="0">
+          <a:xfrm>
             <a:off x="8556216" y="3485222"/>
             <a:ext cx="1175568" cy="137659"/>
           </a:xfrm>
@@ -4028,21 +4029,21 @@
       </p:sp>
       <p:pic>
         <p:nvPicPr>
-          <p:cNvPr name="Picture 4" id="4"/>
+          <p:cNvPr id="4" name="Picture 4"/>
           <p:cNvPicPr>
-            <a:picLocks noChangeAspect="true"/>
+            <a:picLocks noChangeAspect="1"/>
           </p:cNvPicPr>
           <p:nvPr/>
         </p:nvPicPr>
         <p:blipFill>
           <a:blip r:embed="rId2"/>
-          <a:srcRect l="0" t="0" r="0" b="0"/>
+          <a:srcRect/>
           <a:stretch>
             <a:fillRect/>
           </a:stretch>
         </p:blipFill>
         <p:spPr>
-          <a:xfrm flipH="false" flipV="false" rot="0">
+          <a:xfrm>
             <a:off x="4202077" y="5791995"/>
             <a:ext cx="5807134" cy="3552030"/>
           </a:xfrm>
@@ -4053,12 +4054,12 @@
       </p:pic>
       <p:grpSp>
         <p:nvGrpSpPr>
-          <p:cNvPr name="Group 5" id="5"/>
+          <p:cNvPr id="5" name="Group 5"/>
           <p:cNvGrpSpPr/>
           <p:nvPr/>
         </p:nvGrpSpPr>
         <p:grpSpPr>
-          <a:xfrm rot="0">
+          <a:xfrm>
             <a:off x="16991245" y="8907589"/>
             <a:ext cx="268055" cy="350711"/>
             <a:chOff x="0" y="0"/>
@@ -4067,14 +4068,14 @@
         </p:grpSpPr>
         <p:pic>
           <p:nvPicPr>
-            <p:cNvPr name="Picture 6" id="6"/>
+            <p:cNvPr id="6" name="Picture 6"/>
             <p:cNvPicPr>
-              <a:picLocks noChangeAspect="true"/>
+              <a:picLocks noChangeAspect="1"/>
             </p:cNvPicPr>
             <p:nvPr/>
           </p:nvPicPr>
           <p:blipFill>
-            <a:blip r:embed="rId3">
+            <a:blip r:embed="rId3" cstate="print">
               <a:extLst>
                 <a:ext uri="{28A0092B-C50C-407E-A947-70E740481C1C}">
                   <a14:useLocalDpi xmlns:a14="http://schemas.microsoft.com/office/drawing/2010/main" val="0"/>
@@ -4084,13 +4085,13 @@
                 </a:ext>
               </a:extLst>
             </a:blip>
-            <a:srcRect l="0" t="0" r="0" b="0"/>
+            <a:srcRect/>
             <a:stretch>
               <a:fillRect/>
             </a:stretch>
           </p:blipFill>
           <p:spPr>
-            <a:xfrm flipH="false" flipV="false" rot="-5400000">
+            <a:xfrm rot="-5400000">
               <a:off x="40597" y="150806"/>
               <a:ext cx="467614" cy="166003"/>
             </a:xfrm>
@@ -4101,14 +4102,14 @@
         </p:pic>
         <p:pic>
           <p:nvPicPr>
-            <p:cNvPr name="Picture 7" id="7"/>
+            <p:cNvPr id="7" name="Picture 7"/>
             <p:cNvPicPr>
-              <a:picLocks noChangeAspect="true"/>
+              <a:picLocks noChangeAspect="1"/>
             </p:cNvPicPr>
             <p:nvPr/>
           </p:nvPicPr>
           <p:blipFill>
-            <a:blip r:embed="rId3">
+            <a:blip r:embed="rId3" cstate="print">
               <a:extLst>
                 <a:ext uri="{28A0092B-C50C-407E-A947-70E740481C1C}">
                   <a14:useLocalDpi xmlns:a14="http://schemas.microsoft.com/office/drawing/2010/main" val="0"/>
@@ -4118,13 +4119,13 @@
                 </a:ext>
               </a:extLst>
             </a:blip>
-            <a:srcRect l="0" t="0" r="0" b="0"/>
+            <a:srcRect/>
             <a:stretch>
               <a:fillRect/>
             </a:stretch>
           </p:blipFill>
           <p:spPr>
-            <a:xfrm flipH="false" flipV="false" rot="-5400000">
+            <a:xfrm rot="-5400000">
               <a:off x="-150806" y="150806"/>
               <a:ext cx="467614" cy="166003"/>
             </a:xfrm>
@@ -4136,21 +4137,21 @@
       </p:grpSp>
       <p:pic>
         <p:nvPicPr>
-          <p:cNvPr name="Picture 8" id="8"/>
+          <p:cNvPr id="8" name="Picture 8"/>
           <p:cNvPicPr>
-            <a:picLocks noChangeAspect="true"/>
+            <a:picLocks noChangeAspect="1"/>
           </p:cNvPicPr>
           <p:nvPr/>
         </p:nvPicPr>
         <p:blipFill>
           <a:blip r:embed="rId5"/>
-          <a:srcRect l="6214" t="0" r="6214" b="0"/>
+          <a:srcRect l="6214" r="6214"/>
           <a:stretch>
             <a:fillRect/>
           </a:stretch>
         </p:blipFill>
         <p:spPr>
-          <a:xfrm flipH="false" flipV="false" rot="0">
+          <a:xfrm>
             <a:off x="4752394" y="5885220"/>
             <a:ext cx="4668564" cy="3022369"/>
           </a:xfrm>
@@ -4161,21 +4162,21 @@
       </p:pic>
       <p:pic>
         <p:nvPicPr>
-          <p:cNvPr name="Picture 9" id="9"/>
+          <p:cNvPr id="9" name="Picture 9"/>
           <p:cNvPicPr>
-            <a:picLocks noChangeAspect="true"/>
+            <a:picLocks noChangeAspect="1"/>
           </p:cNvPicPr>
           <p:nvPr/>
         </p:nvPicPr>
         <p:blipFill>
           <a:blip r:embed="rId6"/>
-          <a:srcRect l="75886" t="1926" r="1372" b="0"/>
+          <a:srcRect l="75886" t="1926" r="1372"/>
           <a:stretch>
             <a:fillRect/>
           </a:stretch>
         </p:blipFill>
         <p:spPr>
-          <a:xfrm flipH="false" flipV="false" rot="0">
+          <a:xfrm>
             <a:off x="10933847" y="4568785"/>
             <a:ext cx="2494566" cy="5263606"/>
           </a:xfrm>
@@ -4186,12 +4187,12 @@
       </p:pic>
       <p:sp>
         <p:nvSpPr>
-          <p:cNvPr name="TextBox 10" id="10"/>
-          <p:cNvSpPr txBox="true"/>
-          <p:nvPr/>
-        </p:nvSpPr>
-        <p:spPr>
-          <a:xfrm rot="0">
+          <p:cNvPr id="10" name="TextBox 10"/>
+          <p:cNvSpPr txBox="1"/>
+          <p:nvPr/>
+        </p:nvSpPr>
+        <p:spPr>
+          <a:xfrm>
             <a:off x="2543733" y="1942172"/>
             <a:ext cx="13200534" cy="1543050"/>
           </a:xfrm>
@@ -4200,7 +4201,7 @@
           </a:prstGeom>
         </p:spPr>
         <p:txBody>
-          <a:bodyPr anchor="t" rtlCol="false" tIns="0" lIns="0" bIns="0" rIns="0">
+          <a:bodyPr lIns="0" tIns="0" rIns="0" bIns="0" rtlCol="0" anchor="t">
             <a:spAutoFit/>
           </a:bodyPr>
           <a:lstStyle/>
@@ -4224,12 +4225,12 @@
       </p:sp>
       <p:sp>
         <p:nvSpPr>
-          <p:cNvPr name="TextBox 11" id="11"/>
-          <p:cNvSpPr txBox="true"/>
-          <p:nvPr/>
-        </p:nvSpPr>
-        <p:spPr>
-          <a:xfrm rot="0">
+          <p:cNvPr id="11" name="TextBox 11"/>
+          <p:cNvSpPr txBox="1"/>
+          <p:nvPr/>
+        </p:nvSpPr>
+        <p:spPr>
+          <a:xfrm>
             <a:off x="6277482" y="1000125"/>
             <a:ext cx="5733036" cy="297180"/>
           </a:xfrm>
@@ -4238,7 +4239,7 @@
           </a:prstGeom>
         </p:spPr>
         <p:txBody>
-          <a:bodyPr anchor="t" rtlCol="false" tIns="0" lIns="0" bIns="0" rIns="0">
+          <a:bodyPr lIns="0" tIns="0" rIns="0" bIns="0" rtlCol="0" anchor="t">
             <a:spAutoFit/>
           </a:bodyPr>
           <a:lstStyle/>
@@ -4269,13 +4270,14 @@
 </file>
 
 <file path=ppt/slides/slide4.xml><?xml version="1.0" encoding="utf-8"?>
-<p:sld xmlns:p="http://schemas.openxmlformats.org/presentationml/2006/main" xmlns:a="http://schemas.openxmlformats.org/drawingml/2006/main" xmlns:r="http://schemas.openxmlformats.org/officeDocument/2006/relationships">
+<p:sld xmlns:a="http://schemas.openxmlformats.org/drawingml/2006/main" xmlns:r="http://schemas.openxmlformats.org/officeDocument/2006/relationships" xmlns:p="http://schemas.openxmlformats.org/presentationml/2006/main">
   <p:cSld>
     <p:bg>
       <p:bgPr>
         <a:solidFill>
           <a:srgbClr val="F8F8F8"/>
         </a:solidFill>
+        <a:effectLst/>
       </p:bgPr>
     </p:bg>
     <p:spTree>
@@ -4294,12 +4296,12 @@
       </p:grpSpPr>
       <p:sp>
         <p:nvSpPr>
-          <p:cNvPr name="AutoShape 2" id="2"/>
+          <p:cNvPr id="2" name="AutoShape 2"/>
           <p:cNvSpPr/>
           <p:nvPr/>
         </p:nvSpPr>
         <p:spPr>
-          <a:xfrm rot="0">
+          <a:xfrm>
             <a:off x="485556" y="454609"/>
             <a:ext cx="17316887" cy="9377782"/>
           </a:xfrm>
@@ -4313,12 +4315,12 @@
       </p:sp>
       <p:grpSp>
         <p:nvGrpSpPr>
-          <p:cNvPr name="Group 3" id="3"/>
+          <p:cNvPr id="3" name="Group 3"/>
           <p:cNvGrpSpPr/>
           <p:nvPr/>
         </p:nvGrpSpPr>
         <p:grpSpPr>
-          <a:xfrm rot="0">
+          <a:xfrm>
             <a:off x="16991245" y="8907589"/>
             <a:ext cx="268055" cy="350711"/>
             <a:chOff x="0" y="0"/>
@@ -4327,14 +4329,14 @@
         </p:grpSpPr>
         <p:pic>
           <p:nvPicPr>
-            <p:cNvPr name="Picture 4" id="4"/>
+            <p:cNvPr id="4" name="Picture 4"/>
             <p:cNvPicPr>
-              <a:picLocks noChangeAspect="true"/>
+              <a:picLocks noChangeAspect="1"/>
             </p:cNvPicPr>
             <p:nvPr/>
           </p:nvPicPr>
           <p:blipFill>
-            <a:blip r:embed="rId2">
+            <a:blip r:embed="rId2" cstate="print">
               <a:extLst>
                 <a:ext uri="{28A0092B-C50C-407E-A947-70E740481C1C}">
                   <a14:useLocalDpi xmlns:a14="http://schemas.microsoft.com/office/drawing/2010/main" val="0"/>
@@ -4344,13 +4346,13 @@
                 </a:ext>
               </a:extLst>
             </a:blip>
-            <a:srcRect l="0" t="0" r="0" b="0"/>
+            <a:srcRect/>
             <a:stretch>
               <a:fillRect/>
             </a:stretch>
           </p:blipFill>
           <p:spPr>
-            <a:xfrm flipH="false" flipV="false" rot="-5400000">
+            <a:xfrm rot="-5400000">
               <a:off x="40597" y="150806"/>
               <a:ext cx="467614" cy="166003"/>
             </a:xfrm>
@@ -4361,14 +4363,14 @@
         </p:pic>
         <p:pic>
           <p:nvPicPr>
-            <p:cNvPr name="Picture 5" id="5"/>
+            <p:cNvPr id="5" name="Picture 5"/>
             <p:cNvPicPr>
-              <a:picLocks noChangeAspect="true"/>
+              <a:picLocks noChangeAspect="1"/>
             </p:cNvPicPr>
             <p:nvPr/>
           </p:nvPicPr>
           <p:blipFill>
-            <a:blip r:embed="rId2">
+            <a:blip r:embed="rId2" cstate="print">
               <a:extLst>
                 <a:ext uri="{28A0092B-C50C-407E-A947-70E740481C1C}">
                   <a14:useLocalDpi xmlns:a14="http://schemas.microsoft.com/office/drawing/2010/main" val="0"/>
@@ -4378,13 +4380,13 @@
                 </a:ext>
               </a:extLst>
             </a:blip>
-            <a:srcRect l="0" t="0" r="0" b="0"/>
+            <a:srcRect/>
             <a:stretch>
               <a:fillRect/>
             </a:stretch>
           </p:blipFill>
           <p:spPr>
-            <a:xfrm flipH="false" flipV="false" rot="-5400000">
+            <a:xfrm rot="-5400000">
               <a:off x="-150806" y="150806"/>
               <a:ext cx="467614" cy="166003"/>
             </a:xfrm>
@@ -4396,9 +4398,9 @@
       </p:grpSp>
       <p:pic>
         <p:nvPicPr>
-          <p:cNvPr name="Picture 6" id="6"/>
+          <p:cNvPr id="6" name="Picture 6"/>
           <p:cNvPicPr>
-            <a:picLocks noChangeAspect="true"/>
+            <a:picLocks noChangeAspect="1"/>
           </p:cNvPicPr>
           <p:nvPr/>
         </p:nvPicPr>
@@ -4413,13 +4415,13 @@
               </a:ext>
             </a:extLst>
           </a:blip>
-          <a:srcRect l="0" t="0" r="0" b="0"/>
+          <a:srcRect/>
           <a:stretch>
             <a:fillRect/>
           </a:stretch>
         </p:blipFill>
         <p:spPr>
-          <a:xfrm flipH="false" flipV="false" rot="0">
+          <a:xfrm>
             <a:off x="6548885" y="3995928"/>
             <a:ext cx="2762383" cy="987552"/>
           </a:xfrm>
@@ -4430,9 +4432,9 @@
       </p:pic>
       <p:pic>
         <p:nvPicPr>
-          <p:cNvPr name="Picture 7" id="7"/>
+          <p:cNvPr id="7" name="Picture 7"/>
           <p:cNvPicPr>
-            <a:picLocks noChangeAspect="true"/>
+            <a:picLocks noChangeAspect="1"/>
           </p:cNvPicPr>
           <p:nvPr/>
         </p:nvPicPr>
@@ -4447,13 +4449,13 @@
               </a:ext>
             </a:extLst>
           </a:blip>
-          <a:srcRect l="0" t="0" r="0" b="0"/>
+          <a:srcRect/>
           <a:stretch>
             <a:fillRect/>
           </a:stretch>
         </p:blipFill>
         <p:spPr>
-          <a:xfrm flipH="false" flipV="false" rot="-653778">
+          <a:xfrm rot="-653778">
             <a:off x="5570034" y="5465135"/>
             <a:ext cx="3144271" cy="1434574"/>
           </a:xfrm>
@@ -4464,12 +4466,12 @@
       </p:pic>
       <p:sp>
         <p:nvSpPr>
-          <p:cNvPr name="TextBox 8" id="8"/>
-          <p:cNvSpPr txBox="true"/>
-          <p:nvPr/>
-        </p:nvSpPr>
-        <p:spPr>
-          <a:xfrm rot="0">
+          <p:cNvPr id="8" name="TextBox 8"/>
+          <p:cNvSpPr txBox="1"/>
+          <p:nvPr/>
+        </p:nvSpPr>
+        <p:spPr>
+          <a:xfrm>
             <a:off x="1413417" y="1095375"/>
             <a:ext cx="16096785" cy="2263775"/>
           </a:xfrm>
@@ -4478,7 +4480,7 @@
           </a:prstGeom>
         </p:spPr>
         <p:txBody>
-          <a:bodyPr anchor="t" rtlCol="false" tIns="0" lIns="0" bIns="0" rIns="0">
+          <a:bodyPr lIns="0" tIns="0" rIns="0" bIns="0" rtlCol="0" anchor="t">
             <a:spAutoFit/>
           </a:bodyPr>
           <a:lstStyle/>
@@ -4502,12 +4504,12 @@
       </p:sp>
       <p:sp>
         <p:nvSpPr>
-          <p:cNvPr name="TextBox 9" id="9"/>
-          <p:cNvSpPr txBox="true"/>
-          <p:nvPr/>
-        </p:nvSpPr>
-        <p:spPr>
-          <a:xfrm rot="0">
+          <p:cNvPr id="9" name="TextBox 9"/>
+          <p:cNvSpPr txBox="1"/>
+          <p:nvPr/>
+        </p:nvSpPr>
+        <p:spPr>
+          <a:xfrm>
             <a:off x="1594448" y="4756785"/>
             <a:ext cx="4724554" cy="480369"/>
           </a:xfrm>
@@ -4516,7 +4518,7 @@
           </a:prstGeom>
         </p:spPr>
         <p:txBody>
-          <a:bodyPr anchor="t" rtlCol="false" tIns="0" lIns="0" bIns="0" rIns="0">
+          <a:bodyPr lIns="0" tIns="0" rIns="0" bIns="0" rtlCol="0" anchor="t">
             <a:spAutoFit/>
           </a:bodyPr>
           <a:lstStyle/>
@@ -4540,12 +4542,12 @@
       </p:sp>
       <p:sp>
         <p:nvSpPr>
-          <p:cNvPr name="TextBox 10" id="10"/>
-          <p:cNvSpPr txBox="true"/>
-          <p:nvPr/>
-        </p:nvSpPr>
-        <p:spPr>
-          <a:xfrm rot="0">
+          <p:cNvPr id="10" name="TextBox 10"/>
+          <p:cNvSpPr txBox="1"/>
+          <p:nvPr/>
+        </p:nvSpPr>
+        <p:spPr>
+          <a:xfrm>
             <a:off x="3956725" y="5925163"/>
             <a:ext cx="2150526" cy="803817"/>
           </a:xfrm>
@@ -4554,7 +4556,7 @@
           </a:prstGeom>
         </p:spPr>
         <p:txBody>
-          <a:bodyPr anchor="t" rtlCol="false" tIns="0" lIns="0" bIns="0" rIns="0">
+          <a:bodyPr lIns="0" tIns="0" rIns="0" bIns="0" rtlCol="0" anchor="t">
             <a:spAutoFit/>
           </a:bodyPr>
           <a:lstStyle/>
@@ -4578,12 +4580,12 @@
       </p:sp>
       <p:sp>
         <p:nvSpPr>
-          <p:cNvPr name="TextBox 11" id="11"/>
-          <p:cNvSpPr txBox="true"/>
-          <p:nvPr/>
-        </p:nvSpPr>
-        <p:spPr>
-          <a:xfrm rot="0">
+          <p:cNvPr id="11" name="TextBox 11"/>
+          <p:cNvSpPr txBox="1"/>
+          <p:nvPr/>
+        </p:nvSpPr>
+        <p:spPr>
+          <a:xfrm>
             <a:off x="9311268" y="4888230"/>
             <a:ext cx="5794119" cy="602598"/>
           </a:xfrm>
@@ -4592,7 +4594,7 @@
           </a:prstGeom>
         </p:spPr>
         <p:txBody>
-          <a:bodyPr anchor="t" rtlCol="false" tIns="0" lIns="0" bIns="0" rIns="0">
+          <a:bodyPr lIns="0" tIns="0" rIns="0" bIns="0" rtlCol="0" anchor="t">
             <a:spAutoFit/>
           </a:bodyPr>
           <a:lstStyle/>
@@ -4616,12 +4618,12 @@
       </p:sp>
       <p:sp>
         <p:nvSpPr>
-          <p:cNvPr name="TextBox 12" id="12"/>
-          <p:cNvSpPr txBox="true"/>
-          <p:nvPr/>
-        </p:nvSpPr>
-        <p:spPr>
-          <a:xfrm rot="0">
+          <p:cNvPr id="12" name="TextBox 12"/>
+          <p:cNvSpPr txBox="1"/>
+          <p:nvPr/>
+        </p:nvSpPr>
+        <p:spPr>
+          <a:xfrm>
             <a:off x="803366" y="7493191"/>
             <a:ext cx="17316887" cy="349250"/>
           </a:xfrm>
@@ -4630,7 +4632,7 @@
           </a:prstGeom>
         </p:spPr>
         <p:txBody>
-          <a:bodyPr anchor="t" rtlCol="false" tIns="0" lIns="0" bIns="0" rIns="0">
+          <a:bodyPr lIns="0" tIns="0" rIns="0" bIns="0" rtlCol="0" anchor="t">
             <a:spAutoFit/>
           </a:bodyPr>
           <a:lstStyle/>
@@ -4664,13 +4666,14 @@
 </file>
 
 <file path=ppt/slides/slide5.xml><?xml version="1.0" encoding="utf-8"?>
-<p:sld xmlns:p="http://schemas.openxmlformats.org/presentationml/2006/main" xmlns:a="http://schemas.openxmlformats.org/drawingml/2006/main" xmlns:r="http://schemas.openxmlformats.org/officeDocument/2006/relationships">
+<p:sld xmlns:a="http://schemas.openxmlformats.org/drawingml/2006/main" xmlns:r="http://schemas.openxmlformats.org/officeDocument/2006/relationships" xmlns:p="http://schemas.openxmlformats.org/presentationml/2006/main">
   <p:cSld>
     <p:bg>
       <p:bgPr>
         <a:solidFill>
           <a:srgbClr val="F8F8F8"/>
         </a:solidFill>
+        <a:effectLst/>
       </p:bgPr>
     </p:bg>
     <p:spTree>
@@ -4689,12 +4692,12 @@
       </p:grpSpPr>
       <p:sp>
         <p:nvSpPr>
-          <p:cNvPr name="AutoShape 2" id="2"/>
+          <p:cNvPr id="2" name="AutoShape 2"/>
           <p:cNvSpPr/>
           <p:nvPr/>
         </p:nvSpPr>
         <p:spPr>
-          <a:xfrm rot="0">
+          <a:xfrm>
             <a:off x="485556" y="454609"/>
             <a:ext cx="17316887" cy="9377782"/>
           </a:xfrm>
@@ -4708,12 +4711,12 @@
       </p:sp>
       <p:sp>
         <p:nvSpPr>
-          <p:cNvPr name="TextBox 3" id="3"/>
-          <p:cNvSpPr txBox="true"/>
-          <p:nvPr/>
-        </p:nvSpPr>
-        <p:spPr>
-          <a:xfrm rot="0">
+          <p:cNvPr id="3" name="TextBox 3"/>
+          <p:cNvSpPr txBox="1"/>
+          <p:nvPr/>
+        </p:nvSpPr>
+        <p:spPr>
+          <a:xfrm>
             <a:off x="1028700" y="2488389"/>
             <a:ext cx="14726713" cy="1149350"/>
           </a:xfrm>
@@ -4722,7 +4725,7 @@
           </a:prstGeom>
         </p:spPr>
         <p:txBody>
-          <a:bodyPr anchor="t" rtlCol="false" tIns="0" lIns="0" bIns="0" rIns="0">
+          <a:bodyPr lIns="0" tIns="0" rIns="0" bIns="0" rtlCol="0" anchor="t">
             <a:spAutoFit/>
           </a:bodyPr>
           <a:lstStyle/>
@@ -4746,12 +4749,12 @@
       </p:sp>
       <p:grpSp>
         <p:nvGrpSpPr>
-          <p:cNvPr name="Group 4" id="4"/>
+          <p:cNvPr id="4" name="Group 4"/>
           <p:cNvGrpSpPr/>
           <p:nvPr/>
         </p:nvGrpSpPr>
         <p:grpSpPr>
-          <a:xfrm rot="0">
+          <a:xfrm>
             <a:off x="1028700" y="5191125"/>
             <a:ext cx="4959543" cy="4046786"/>
             <a:chOff x="0" y="0"/>
@@ -4760,12 +4763,12 @@
         </p:grpSpPr>
         <p:sp>
           <p:nvSpPr>
-            <p:cNvPr name="TextBox 5" id="5"/>
-            <p:cNvSpPr txBox="true"/>
+            <p:cNvPr id="5" name="TextBox 5"/>
+            <p:cNvSpPr txBox="1"/>
             <p:nvPr/>
           </p:nvSpPr>
           <p:spPr>
-            <a:xfrm rot="0">
+            <a:xfrm>
               <a:off x="0" y="635119"/>
               <a:ext cx="6612725" cy="4760595"/>
             </a:xfrm>
@@ -4774,7 +4777,7 @@
             </a:prstGeom>
           </p:spPr>
           <p:txBody>
-            <a:bodyPr anchor="t" rtlCol="false" tIns="0" lIns="0" bIns="0" rIns="0">
+            <a:bodyPr lIns="0" tIns="0" rIns="0" bIns="0" rtlCol="0" anchor="t">
               <a:spAutoFit/>
             </a:bodyPr>
             <a:lstStyle/>
@@ -4798,12 +4801,12 @@
         </p:sp>
         <p:sp>
           <p:nvSpPr>
-            <p:cNvPr name="TextBox 6" id="6"/>
-            <p:cNvSpPr txBox="true"/>
+            <p:cNvPr id="6" name="TextBox 6"/>
+            <p:cNvSpPr txBox="1"/>
             <p:nvPr/>
           </p:nvSpPr>
           <p:spPr>
-            <a:xfrm rot="0">
+            <a:xfrm>
               <a:off x="0" y="-47625"/>
               <a:ext cx="6612725" cy="493818"/>
             </a:xfrm>
@@ -4812,7 +4815,7 @@
             </a:prstGeom>
           </p:spPr>
           <p:txBody>
-            <a:bodyPr anchor="t" rtlCol="false" tIns="0" lIns="0" bIns="0" rIns="0">
+            <a:bodyPr lIns="0" tIns="0" rIns="0" bIns="0" rtlCol="0" anchor="t">
               <a:spAutoFit/>
             </a:bodyPr>
             <a:lstStyle/>
@@ -4837,12 +4840,12 @@
       </p:grpSp>
       <p:sp>
         <p:nvSpPr>
-          <p:cNvPr name="AutoShape 7" id="7"/>
+          <p:cNvPr id="7" name="AutoShape 7"/>
           <p:cNvSpPr/>
           <p:nvPr/>
         </p:nvSpPr>
         <p:spPr>
-          <a:xfrm rot="0">
+          <a:xfrm>
             <a:off x="1028700" y="3724484"/>
             <a:ext cx="1175568" cy="137659"/>
           </a:xfrm>
@@ -4856,12 +4859,12 @@
       </p:sp>
       <p:grpSp>
         <p:nvGrpSpPr>
-          <p:cNvPr name="Group 8" id="8"/>
+          <p:cNvPr id="8" name="Group 8"/>
           <p:cNvGrpSpPr/>
           <p:nvPr/>
         </p:nvGrpSpPr>
         <p:grpSpPr>
-          <a:xfrm rot="0">
+          <a:xfrm>
             <a:off x="16991245" y="8907589"/>
             <a:ext cx="268055" cy="350711"/>
             <a:chOff x="0" y="0"/>
@@ -4870,14 +4873,14 @@
         </p:grpSpPr>
         <p:pic>
           <p:nvPicPr>
-            <p:cNvPr name="Picture 9" id="9"/>
+            <p:cNvPr id="9" name="Picture 9"/>
             <p:cNvPicPr>
-              <a:picLocks noChangeAspect="true"/>
+              <a:picLocks noChangeAspect="1"/>
             </p:cNvPicPr>
             <p:nvPr/>
           </p:nvPicPr>
           <p:blipFill>
-            <a:blip r:embed="rId2">
+            <a:blip r:embed="rId2" cstate="print">
               <a:extLst>
                 <a:ext uri="{28A0092B-C50C-407E-A947-70E740481C1C}">
                   <a14:useLocalDpi xmlns:a14="http://schemas.microsoft.com/office/drawing/2010/main" val="0"/>
@@ -4887,13 +4890,13 @@
                 </a:ext>
               </a:extLst>
             </a:blip>
-            <a:srcRect l="0" t="0" r="0" b="0"/>
+            <a:srcRect/>
             <a:stretch>
               <a:fillRect/>
             </a:stretch>
           </p:blipFill>
           <p:spPr>
-            <a:xfrm flipH="false" flipV="false" rot="-5400000">
+            <a:xfrm rot="-5400000">
               <a:off x="40597" y="150806"/>
               <a:ext cx="467614" cy="166003"/>
             </a:xfrm>
@@ -4904,14 +4907,14 @@
         </p:pic>
         <p:pic>
           <p:nvPicPr>
-            <p:cNvPr name="Picture 10" id="10"/>
+            <p:cNvPr id="10" name="Picture 10"/>
             <p:cNvPicPr>
-              <a:picLocks noChangeAspect="true"/>
+              <a:picLocks noChangeAspect="1"/>
             </p:cNvPicPr>
             <p:nvPr/>
           </p:nvPicPr>
           <p:blipFill>
-            <a:blip r:embed="rId2">
+            <a:blip r:embed="rId2" cstate="print">
               <a:extLst>
                 <a:ext uri="{28A0092B-C50C-407E-A947-70E740481C1C}">
                   <a14:useLocalDpi xmlns:a14="http://schemas.microsoft.com/office/drawing/2010/main" val="0"/>
@@ -4921,13 +4924,13 @@
                 </a:ext>
               </a:extLst>
             </a:blip>
-            <a:srcRect l="0" t="0" r="0" b="0"/>
+            <a:srcRect/>
             <a:stretch>
               <a:fillRect/>
             </a:stretch>
           </p:blipFill>
           <p:spPr>
-            <a:xfrm flipH="false" flipV="false" rot="-5400000">
+            <a:xfrm rot="-5400000">
               <a:off x="-150806" y="150806"/>
               <a:ext cx="467614" cy="166003"/>
             </a:xfrm>
@@ -4939,12 +4942,12 @@
       </p:grpSp>
       <p:grpSp>
         <p:nvGrpSpPr>
-          <p:cNvPr name="Group 11" id="11"/>
+          <p:cNvPr id="11" name="Group 11"/>
           <p:cNvGrpSpPr/>
           <p:nvPr/>
         </p:nvGrpSpPr>
         <p:grpSpPr>
-          <a:xfrm rot="0">
+          <a:xfrm>
             <a:off x="6664228" y="5191125"/>
             <a:ext cx="4959543" cy="3237161"/>
             <a:chOff x="0" y="0"/>
@@ -4953,12 +4956,12 @@
         </p:grpSpPr>
         <p:sp>
           <p:nvSpPr>
-            <p:cNvPr name="TextBox 12" id="12"/>
-            <p:cNvSpPr txBox="true"/>
+            <p:cNvPr id="12" name="TextBox 12"/>
+            <p:cNvSpPr txBox="1"/>
             <p:nvPr/>
           </p:nvSpPr>
           <p:spPr>
-            <a:xfrm rot="0">
+            <a:xfrm>
               <a:off x="0" y="1155819"/>
               <a:ext cx="6612725" cy="3160395"/>
             </a:xfrm>
@@ -4967,7 +4970,7 @@
             </a:prstGeom>
           </p:spPr>
           <p:txBody>
-            <a:bodyPr anchor="t" rtlCol="false" tIns="0" lIns="0" bIns="0" rIns="0">
+            <a:bodyPr lIns="0" tIns="0" rIns="0" bIns="0" rtlCol="0" anchor="t">
               <a:spAutoFit/>
             </a:bodyPr>
             <a:lstStyle/>
@@ -4991,12 +4994,12 @@
         </p:sp>
         <p:sp>
           <p:nvSpPr>
-            <p:cNvPr name="TextBox 13" id="13"/>
-            <p:cNvSpPr txBox="true"/>
+            <p:cNvPr id="13" name="TextBox 13"/>
+            <p:cNvSpPr txBox="1"/>
             <p:nvPr/>
           </p:nvSpPr>
           <p:spPr>
-            <a:xfrm rot="0">
+            <a:xfrm>
               <a:off x="0" y="-47625"/>
               <a:ext cx="6612725" cy="1014518"/>
             </a:xfrm>
@@ -5005,7 +5008,7 @@
             </a:prstGeom>
           </p:spPr>
           <p:txBody>
-            <a:bodyPr anchor="t" rtlCol="false" tIns="0" lIns="0" bIns="0" rIns="0">
+            <a:bodyPr lIns="0" tIns="0" rIns="0" bIns="0" rtlCol="0" anchor="t">
               <a:spAutoFit/>
             </a:bodyPr>
             <a:lstStyle/>
@@ -5030,12 +5033,12 @@
       </p:grpSp>
       <p:grpSp>
         <p:nvGrpSpPr>
-          <p:cNvPr name="Group 14" id="14"/>
+          <p:cNvPr id="14" name="Group 14"/>
           <p:cNvGrpSpPr/>
           <p:nvPr/>
         </p:nvGrpSpPr>
         <p:grpSpPr>
-          <a:xfrm rot="0">
+          <a:xfrm>
             <a:off x="12299757" y="5191125"/>
             <a:ext cx="4959543" cy="2837111"/>
             <a:chOff x="0" y="0"/>
@@ -5044,12 +5047,12 @@
         </p:grpSpPr>
         <p:sp>
           <p:nvSpPr>
-            <p:cNvPr name="TextBox 15" id="15"/>
-            <p:cNvSpPr txBox="true"/>
+            <p:cNvPr id="15" name="TextBox 15"/>
+            <p:cNvSpPr txBox="1"/>
             <p:nvPr/>
           </p:nvSpPr>
           <p:spPr>
-            <a:xfrm rot="0">
+            <a:xfrm>
               <a:off x="0" y="1155819"/>
               <a:ext cx="6612725" cy="2626995"/>
             </a:xfrm>
@@ -5058,7 +5061,7 @@
             </a:prstGeom>
           </p:spPr>
           <p:txBody>
-            <a:bodyPr anchor="t" rtlCol="false" tIns="0" lIns="0" bIns="0" rIns="0">
+            <a:bodyPr lIns="0" tIns="0" rIns="0" bIns="0" rtlCol="0" anchor="t">
               <a:spAutoFit/>
             </a:bodyPr>
             <a:lstStyle/>
@@ -5082,12 +5085,12 @@
         </p:sp>
         <p:sp>
           <p:nvSpPr>
-            <p:cNvPr name="TextBox 16" id="16"/>
-            <p:cNvSpPr txBox="true"/>
+            <p:cNvPr id="16" name="TextBox 16"/>
+            <p:cNvSpPr txBox="1"/>
             <p:nvPr/>
           </p:nvSpPr>
           <p:spPr>
-            <a:xfrm rot="0">
+            <a:xfrm>
               <a:off x="0" y="-47625"/>
               <a:ext cx="6612725" cy="1014518"/>
             </a:xfrm>
@@ -5096,7 +5099,7 @@
             </a:prstGeom>
           </p:spPr>
           <p:txBody>
-            <a:bodyPr anchor="t" rtlCol="false" tIns="0" lIns="0" bIns="0" rIns="0">
+            <a:bodyPr lIns="0" tIns="0" rIns="0" bIns="0" rtlCol="0" anchor="t">
               <a:spAutoFit/>
             </a:bodyPr>
             <a:lstStyle/>
@@ -5128,13 +5131,14 @@
 </file>
 
 <file path=ppt/slides/slide6.xml><?xml version="1.0" encoding="utf-8"?>
-<p:sld xmlns:p="http://schemas.openxmlformats.org/presentationml/2006/main" xmlns:a="http://schemas.openxmlformats.org/drawingml/2006/main" xmlns:r="http://schemas.openxmlformats.org/officeDocument/2006/relationships">
+<p:sld xmlns:a="http://schemas.openxmlformats.org/drawingml/2006/main" xmlns:r="http://schemas.openxmlformats.org/officeDocument/2006/relationships" xmlns:p="http://schemas.openxmlformats.org/presentationml/2006/main">
   <p:cSld>
     <p:bg>
       <p:bgPr>
         <a:solidFill>
           <a:srgbClr val="F8F8F8"/>
         </a:solidFill>
+        <a:effectLst/>
       </p:bgPr>
     </p:bg>
     <p:spTree>
@@ -5153,12 +5157,12 @@
       </p:grpSpPr>
       <p:sp>
         <p:nvSpPr>
-          <p:cNvPr name="AutoShape 2" id="2"/>
+          <p:cNvPr id="2" name="AutoShape 2"/>
           <p:cNvSpPr/>
           <p:nvPr/>
         </p:nvSpPr>
         <p:spPr>
-          <a:xfrm rot="0">
+          <a:xfrm>
             <a:off x="485556" y="454609"/>
             <a:ext cx="17316887" cy="9377782"/>
           </a:xfrm>
@@ -5172,12 +5176,12 @@
       </p:sp>
       <p:sp>
         <p:nvSpPr>
-          <p:cNvPr name="TextBox 3" id="3"/>
-          <p:cNvSpPr txBox="true"/>
-          <p:nvPr/>
-        </p:nvSpPr>
-        <p:spPr>
-          <a:xfrm rot="0">
+          <p:cNvPr id="3" name="TextBox 3"/>
+          <p:cNvSpPr txBox="1"/>
+          <p:nvPr/>
+        </p:nvSpPr>
+        <p:spPr>
+          <a:xfrm>
             <a:off x="1028700" y="2488389"/>
             <a:ext cx="14726713" cy="1149350"/>
           </a:xfrm>
@@ -5186,7 +5190,7 @@
           </a:prstGeom>
         </p:spPr>
         <p:txBody>
-          <a:bodyPr anchor="t" rtlCol="false" tIns="0" lIns="0" bIns="0" rIns="0">
+          <a:bodyPr lIns="0" tIns="0" rIns="0" bIns="0" rtlCol="0" anchor="t">
             <a:spAutoFit/>
           </a:bodyPr>
           <a:lstStyle/>
@@ -5210,12 +5214,12 @@
       </p:sp>
       <p:grpSp>
         <p:nvGrpSpPr>
-          <p:cNvPr name="Group 4" id="4"/>
+          <p:cNvPr id="4" name="Group 4"/>
           <p:cNvGrpSpPr/>
           <p:nvPr/>
         </p:nvGrpSpPr>
         <p:grpSpPr>
-          <a:xfrm rot="0">
+          <a:xfrm>
             <a:off x="1028700" y="5191125"/>
             <a:ext cx="4959543" cy="2446586"/>
             <a:chOff x="0" y="0"/>
@@ -5224,12 +5228,12 @@
         </p:grpSpPr>
         <p:sp>
           <p:nvSpPr>
-            <p:cNvPr name="TextBox 5" id="5"/>
-            <p:cNvSpPr txBox="true"/>
+            <p:cNvPr id="5" name="TextBox 5"/>
+            <p:cNvSpPr txBox="1"/>
             <p:nvPr/>
           </p:nvSpPr>
           <p:spPr>
-            <a:xfrm rot="0">
+            <a:xfrm>
               <a:off x="0" y="635119"/>
               <a:ext cx="6612725" cy="2626995"/>
             </a:xfrm>
@@ -5238,7 +5242,7 @@
             </a:prstGeom>
           </p:spPr>
           <p:txBody>
-            <a:bodyPr anchor="t" rtlCol="false" tIns="0" lIns="0" bIns="0" rIns="0">
+            <a:bodyPr lIns="0" tIns="0" rIns="0" bIns="0" rtlCol="0" anchor="t">
               <a:spAutoFit/>
             </a:bodyPr>
             <a:lstStyle/>
@@ -5262,12 +5266,12 @@
         </p:sp>
         <p:sp>
           <p:nvSpPr>
-            <p:cNvPr name="TextBox 6" id="6"/>
-            <p:cNvSpPr txBox="true"/>
+            <p:cNvPr id="6" name="TextBox 6"/>
+            <p:cNvSpPr txBox="1"/>
             <p:nvPr/>
           </p:nvSpPr>
           <p:spPr>
-            <a:xfrm rot="0">
+            <a:xfrm>
               <a:off x="0" y="-47625"/>
               <a:ext cx="6612725" cy="493818"/>
             </a:xfrm>
@@ -5276,7 +5280,7 @@
             </a:prstGeom>
           </p:spPr>
           <p:txBody>
-            <a:bodyPr anchor="t" rtlCol="false" tIns="0" lIns="0" bIns="0" rIns="0">
+            <a:bodyPr lIns="0" tIns="0" rIns="0" bIns="0" rtlCol="0" anchor="t">
               <a:spAutoFit/>
             </a:bodyPr>
             <a:lstStyle/>
@@ -5301,12 +5305,12 @@
       </p:grpSp>
       <p:sp>
         <p:nvSpPr>
-          <p:cNvPr name="AutoShape 7" id="7"/>
+          <p:cNvPr id="7" name="AutoShape 7"/>
           <p:cNvSpPr/>
           <p:nvPr/>
         </p:nvSpPr>
         <p:spPr>
-          <a:xfrm rot="0">
+          <a:xfrm>
             <a:off x="1028700" y="3724484"/>
             <a:ext cx="1175568" cy="137659"/>
           </a:xfrm>
@@ -5320,12 +5324,12 @@
       </p:sp>
       <p:grpSp>
         <p:nvGrpSpPr>
-          <p:cNvPr name="Group 8" id="8"/>
+          <p:cNvPr id="8" name="Group 8"/>
           <p:cNvGrpSpPr/>
           <p:nvPr/>
         </p:nvGrpSpPr>
         <p:grpSpPr>
-          <a:xfrm rot="0">
+          <a:xfrm>
             <a:off x="16991245" y="8907589"/>
             <a:ext cx="268055" cy="350711"/>
             <a:chOff x="0" y="0"/>
@@ -5334,14 +5338,14 @@
         </p:grpSpPr>
         <p:pic>
           <p:nvPicPr>
-            <p:cNvPr name="Picture 9" id="9"/>
+            <p:cNvPr id="9" name="Picture 9"/>
             <p:cNvPicPr>
-              <a:picLocks noChangeAspect="true"/>
+              <a:picLocks noChangeAspect="1"/>
             </p:cNvPicPr>
             <p:nvPr/>
           </p:nvPicPr>
           <p:blipFill>
-            <a:blip r:embed="rId2">
+            <a:blip r:embed="rId2" cstate="print">
               <a:extLst>
                 <a:ext uri="{28A0092B-C50C-407E-A947-70E740481C1C}">
                   <a14:useLocalDpi xmlns:a14="http://schemas.microsoft.com/office/drawing/2010/main" val="0"/>
@@ -5351,13 +5355,13 @@
                 </a:ext>
               </a:extLst>
             </a:blip>
-            <a:srcRect l="0" t="0" r="0" b="0"/>
+            <a:srcRect/>
             <a:stretch>
               <a:fillRect/>
             </a:stretch>
           </p:blipFill>
           <p:spPr>
-            <a:xfrm flipH="false" flipV="false" rot="-5400000">
+            <a:xfrm rot="-5400000">
               <a:off x="40597" y="150806"/>
               <a:ext cx="467614" cy="166003"/>
             </a:xfrm>
@@ -5368,14 +5372,14 @@
         </p:pic>
         <p:pic>
           <p:nvPicPr>
-            <p:cNvPr name="Picture 10" id="10"/>
+            <p:cNvPr id="10" name="Picture 10"/>
             <p:cNvPicPr>
-              <a:picLocks noChangeAspect="true"/>
+              <a:picLocks noChangeAspect="1"/>
             </p:cNvPicPr>
             <p:nvPr/>
           </p:nvPicPr>
           <p:blipFill>
-            <a:blip r:embed="rId2">
+            <a:blip r:embed="rId2" cstate="print">
               <a:extLst>
                 <a:ext uri="{28A0092B-C50C-407E-A947-70E740481C1C}">
                   <a14:useLocalDpi xmlns:a14="http://schemas.microsoft.com/office/drawing/2010/main" val="0"/>
@@ -5385,13 +5389,13 @@
                 </a:ext>
               </a:extLst>
             </a:blip>
-            <a:srcRect l="0" t="0" r="0" b="0"/>
+            <a:srcRect/>
             <a:stretch>
               <a:fillRect/>
             </a:stretch>
           </p:blipFill>
           <p:spPr>
-            <a:xfrm flipH="false" flipV="false" rot="-5400000">
+            <a:xfrm rot="-5400000">
               <a:off x="-150806" y="150806"/>
               <a:ext cx="467614" cy="166003"/>
             </a:xfrm>
@@ -5403,12 +5407,12 @@
       </p:grpSp>
       <p:grpSp>
         <p:nvGrpSpPr>
-          <p:cNvPr name="Group 11" id="11"/>
+          <p:cNvPr id="11" name="Group 11"/>
           <p:cNvGrpSpPr/>
           <p:nvPr/>
         </p:nvGrpSpPr>
         <p:grpSpPr>
-          <a:xfrm rot="0">
+          <a:xfrm>
             <a:off x="6664228" y="5191125"/>
             <a:ext cx="4959543" cy="2837111"/>
             <a:chOff x="0" y="0"/>
@@ -5417,12 +5421,12 @@
         </p:grpSpPr>
         <p:sp>
           <p:nvSpPr>
-            <p:cNvPr name="TextBox 12" id="12"/>
-            <p:cNvSpPr txBox="true"/>
+            <p:cNvPr id="12" name="TextBox 12"/>
+            <p:cNvSpPr txBox="1"/>
             <p:nvPr/>
           </p:nvSpPr>
           <p:spPr>
-            <a:xfrm rot="0">
+            <a:xfrm>
               <a:off x="0" y="1155819"/>
               <a:ext cx="6612725" cy="2626995"/>
             </a:xfrm>
@@ -5431,7 +5435,7 @@
             </a:prstGeom>
           </p:spPr>
           <p:txBody>
-            <a:bodyPr anchor="t" rtlCol="false" tIns="0" lIns="0" bIns="0" rIns="0">
+            <a:bodyPr lIns="0" tIns="0" rIns="0" bIns="0" rtlCol="0" anchor="t">
               <a:spAutoFit/>
             </a:bodyPr>
             <a:lstStyle/>
@@ -5455,12 +5459,12 @@
         </p:sp>
         <p:sp>
           <p:nvSpPr>
-            <p:cNvPr name="TextBox 13" id="13"/>
-            <p:cNvSpPr txBox="true"/>
+            <p:cNvPr id="13" name="TextBox 13"/>
+            <p:cNvSpPr txBox="1"/>
             <p:nvPr/>
           </p:nvSpPr>
           <p:spPr>
-            <a:xfrm rot="0">
+            <a:xfrm>
               <a:off x="0" y="-47625"/>
               <a:ext cx="6612725" cy="1014518"/>
             </a:xfrm>
@@ -5469,7 +5473,7 @@
             </a:prstGeom>
           </p:spPr>
           <p:txBody>
-            <a:bodyPr anchor="t" rtlCol="false" tIns="0" lIns="0" bIns="0" rIns="0">
+            <a:bodyPr lIns="0" tIns="0" rIns="0" bIns="0" rtlCol="0" anchor="t">
               <a:spAutoFit/>
             </a:bodyPr>
             <a:lstStyle/>
@@ -5494,12 +5498,12 @@
       </p:grpSp>
       <p:grpSp>
         <p:nvGrpSpPr>
-          <p:cNvPr name="Group 14" id="14"/>
+          <p:cNvPr id="14" name="Group 14"/>
           <p:cNvGrpSpPr/>
           <p:nvPr/>
         </p:nvGrpSpPr>
         <p:grpSpPr>
-          <a:xfrm rot="0">
+          <a:xfrm>
             <a:off x="12299757" y="5191125"/>
             <a:ext cx="4959543" cy="2846636"/>
             <a:chOff x="0" y="0"/>
@@ -5508,12 +5512,12 @@
         </p:grpSpPr>
         <p:sp>
           <p:nvSpPr>
-            <p:cNvPr name="TextBox 15" id="15"/>
-            <p:cNvSpPr txBox="true"/>
+            <p:cNvPr id="15" name="TextBox 15"/>
+            <p:cNvSpPr txBox="1"/>
             <p:nvPr/>
           </p:nvSpPr>
           <p:spPr>
-            <a:xfrm rot="0">
+            <a:xfrm>
               <a:off x="0" y="635119"/>
               <a:ext cx="6612725" cy="3160395"/>
             </a:xfrm>
@@ -5522,7 +5526,7 @@
             </a:prstGeom>
           </p:spPr>
           <p:txBody>
-            <a:bodyPr anchor="t" rtlCol="false" tIns="0" lIns="0" bIns="0" rIns="0">
+            <a:bodyPr lIns="0" tIns="0" rIns="0" bIns="0" rtlCol="0" anchor="t">
               <a:spAutoFit/>
             </a:bodyPr>
             <a:lstStyle/>
@@ -5546,12 +5550,12 @@
         </p:sp>
         <p:sp>
           <p:nvSpPr>
-            <p:cNvPr name="TextBox 16" id="16"/>
-            <p:cNvSpPr txBox="true"/>
+            <p:cNvPr id="16" name="TextBox 16"/>
+            <p:cNvSpPr txBox="1"/>
             <p:nvPr/>
           </p:nvSpPr>
           <p:spPr>
-            <a:xfrm rot="0">
+            <a:xfrm>
               <a:off x="0" y="-47625"/>
               <a:ext cx="6612725" cy="493818"/>
             </a:xfrm>
@@ -5560,7 +5564,7 @@
             </a:prstGeom>
           </p:spPr>
           <p:txBody>
-            <a:bodyPr anchor="t" rtlCol="false" tIns="0" lIns="0" bIns="0" rIns="0">
+            <a:bodyPr lIns="0" tIns="0" rIns="0" bIns="0" rtlCol="0" anchor="t">
               <a:spAutoFit/>
             </a:bodyPr>
             <a:lstStyle/>
@@ -5592,13 +5596,14 @@
 </file>
 
 <file path=ppt/slides/slide7.xml><?xml version="1.0" encoding="utf-8"?>
-<p:sld xmlns:p="http://schemas.openxmlformats.org/presentationml/2006/main" xmlns:a="http://schemas.openxmlformats.org/drawingml/2006/main">
+<p:sld xmlns:a="http://schemas.openxmlformats.org/drawingml/2006/main" xmlns:r="http://schemas.openxmlformats.org/officeDocument/2006/relationships" xmlns:p="http://schemas.openxmlformats.org/presentationml/2006/main">
   <p:cSld>
     <p:bg>
       <p:bgPr>
         <a:solidFill>
           <a:srgbClr val="F8F8F8"/>
         </a:solidFill>
+        <a:effectLst/>
       </p:bgPr>
     </p:bg>
     <p:spTree>
@@ -5617,12 +5622,12 @@
       </p:grpSpPr>
       <p:sp>
         <p:nvSpPr>
-          <p:cNvPr name="AutoShape 2" id="2"/>
+          <p:cNvPr id="2" name="AutoShape 2"/>
           <p:cNvSpPr/>
           <p:nvPr/>
         </p:nvSpPr>
         <p:spPr>
-          <a:xfrm rot="0">
+          <a:xfrm>
             <a:off x="485556" y="454609"/>
             <a:ext cx="17316887" cy="9377782"/>
           </a:xfrm>
@@ -5636,12 +5641,12 @@
       </p:sp>
       <p:sp>
         <p:nvSpPr>
-          <p:cNvPr name="TextBox 3" id="3"/>
-          <p:cNvSpPr txBox="true"/>
-          <p:nvPr/>
-        </p:nvSpPr>
-        <p:spPr>
-          <a:xfrm rot="0">
+          <p:cNvPr id="3" name="TextBox 3"/>
+          <p:cNvSpPr txBox="1"/>
+          <p:nvPr/>
+        </p:nvSpPr>
+        <p:spPr>
+          <a:xfrm>
             <a:off x="1217976" y="198204"/>
             <a:ext cx="16230600" cy="2965450"/>
           </a:xfrm>
@@ -5650,7 +5655,7 @@
           </a:prstGeom>
         </p:spPr>
         <p:txBody>
-          <a:bodyPr anchor="t" rtlCol="false" tIns="0" lIns="0" bIns="0" rIns="0">
+          <a:bodyPr lIns="0" tIns="0" rIns="0" bIns="0" rtlCol="0" anchor="t">
             <a:spAutoFit/>
           </a:bodyPr>
           <a:lstStyle/>
@@ -5674,204 +5679,204 @@
       </p:sp>
       <p:sp>
         <p:nvSpPr>
-          <p:cNvPr name="AutoShape 4" id="4"/>
+          <p:cNvPr id="4" name="AutoShape 4"/>
           <p:cNvSpPr/>
           <p:nvPr/>
         </p:nvSpPr>
         <p:spPr>
-          <a:xfrm rot="0">
+          <a:xfrm>
             <a:off x="1028700" y="7957886"/>
             <a:ext cx="16230600" cy="0"/>
           </a:xfrm>
           <a:prstGeom prst="line">
             <a:avLst/>
           </a:prstGeom>
-          <a:ln cap="rnd" w="47625">
+          <a:ln w="47625" cap="rnd">
             <a:solidFill>
               <a:srgbClr val="000000"/>
             </a:solidFill>
             <a:prstDash val="solid"/>
-            <a:headEnd type="none" len="sm" w="sm"/>
-            <a:tailEnd type="none" len="sm" w="sm"/>
+            <a:headEnd type="none" w="sm" len="sm"/>
+            <a:tailEnd type="none" w="sm" len="sm"/>
           </a:ln>
         </p:spPr>
       </p:sp>
       <p:sp>
         <p:nvSpPr>
-          <p:cNvPr name="AutoShape 5" id="5"/>
+          <p:cNvPr id="5" name="AutoShape 5"/>
           <p:cNvSpPr/>
           <p:nvPr/>
         </p:nvSpPr>
         <p:spPr>
-          <a:xfrm rot="0">
+          <a:xfrm>
             <a:off x="1028700" y="7266797"/>
             <a:ext cx="16230600" cy="0"/>
           </a:xfrm>
           <a:prstGeom prst="line">
             <a:avLst/>
           </a:prstGeom>
-          <a:ln cap="rnd" w="28575">
+          <a:ln w="28575" cap="rnd">
             <a:solidFill>
               <a:srgbClr val="A6A6A6"/>
             </a:solidFill>
             <a:prstDash val="sysDot"/>
-            <a:headEnd type="none" len="sm" w="sm"/>
-            <a:tailEnd type="none" len="sm" w="sm"/>
+            <a:headEnd type="none" w="sm" len="sm"/>
+            <a:tailEnd type="none" w="sm" len="sm"/>
           </a:ln>
         </p:spPr>
       </p:sp>
       <p:sp>
         <p:nvSpPr>
-          <p:cNvPr name="AutoShape 6" id="6"/>
+          <p:cNvPr id="6" name="AutoShape 6"/>
           <p:cNvSpPr/>
           <p:nvPr/>
         </p:nvSpPr>
         <p:spPr>
-          <a:xfrm rot="0">
+          <a:xfrm>
             <a:off x="1028700" y="6575709"/>
             <a:ext cx="16230600" cy="0"/>
           </a:xfrm>
           <a:prstGeom prst="line">
             <a:avLst/>
           </a:prstGeom>
-          <a:ln cap="rnd" w="28575">
+          <a:ln w="28575" cap="rnd">
             <a:solidFill>
               <a:srgbClr val="A6A6A6"/>
             </a:solidFill>
             <a:prstDash val="sysDot"/>
-            <a:headEnd type="none" len="sm" w="sm"/>
-            <a:tailEnd type="none" len="sm" w="sm"/>
+            <a:headEnd type="none" w="sm" len="sm"/>
+            <a:tailEnd type="none" w="sm" len="sm"/>
           </a:ln>
         </p:spPr>
       </p:sp>
       <p:sp>
         <p:nvSpPr>
-          <p:cNvPr name="AutoShape 7" id="7"/>
+          <p:cNvPr id="7" name="AutoShape 7"/>
           <p:cNvSpPr/>
           <p:nvPr/>
         </p:nvSpPr>
         <p:spPr>
-          <a:xfrm rot="0">
+          <a:xfrm>
             <a:off x="1028700" y="5884620"/>
             <a:ext cx="16230600" cy="0"/>
           </a:xfrm>
           <a:prstGeom prst="line">
             <a:avLst/>
           </a:prstGeom>
-          <a:ln cap="rnd" w="28575">
+          <a:ln w="28575" cap="rnd">
             <a:solidFill>
               <a:srgbClr val="A6A6A6"/>
             </a:solidFill>
             <a:prstDash val="sysDot"/>
-            <a:headEnd type="none" len="sm" w="sm"/>
-            <a:tailEnd type="none" len="sm" w="sm"/>
+            <a:headEnd type="none" w="sm" len="sm"/>
+            <a:tailEnd type="none" w="sm" len="sm"/>
           </a:ln>
         </p:spPr>
       </p:sp>
       <p:sp>
         <p:nvSpPr>
-          <p:cNvPr name="AutoShape 8" id="8"/>
+          <p:cNvPr id="8" name="AutoShape 8"/>
           <p:cNvSpPr/>
           <p:nvPr/>
         </p:nvSpPr>
         <p:spPr>
-          <a:xfrm rot="0">
+          <a:xfrm>
             <a:off x="1028700" y="5193531"/>
             <a:ext cx="16230600" cy="0"/>
           </a:xfrm>
           <a:prstGeom prst="line">
             <a:avLst/>
           </a:prstGeom>
-          <a:ln cap="rnd" w="28575">
+          <a:ln w="28575" cap="rnd">
             <a:solidFill>
               <a:srgbClr val="A6A6A6"/>
             </a:solidFill>
             <a:prstDash val="sysDot"/>
-            <a:headEnd type="none" len="sm" w="sm"/>
-            <a:tailEnd type="none" len="sm" w="sm"/>
+            <a:headEnd type="none" w="sm" len="sm"/>
+            <a:tailEnd type="none" w="sm" len="sm"/>
           </a:ln>
         </p:spPr>
       </p:sp>
       <p:sp>
         <p:nvSpPr>
-          <p:cNvPr name="AutoShape 9" id="9"/>
+          <p:cNvPr id="9" name="AutoShape 9"/>
           <p:cNvSpPr/>
           <p:nvPr/>
         </p:nvSpPr>
         <p:spPr>
-          <a:xfrm rot="0">
+          <a:xfrm>
             <a:off x="1028700" y="4502443"/>
             <a:ext cx="16230600" cy="0"/>
           </a:xfrm>
           <a:prstGeom prst="line">
             <a:avLst/>
           </a:prstGeom>
-          <a:ln cap="rnd" w="28575">
+          <a:ln w="28575" cap="rnd">
             <a:solidFill>
               <a:srgbClr val="A6A6A6"/>
             </a:solidFill>
             <a:prstDash val="sysDot"/>
-            <a:headEnd type="none" len="sm" w="sm"/>
-            <a:tailEnd type="none" len="sm" w="sm"/>
+            <a:headEnd type="none" w="sm" len="sm"/>
+            <a:tailEnd type="none" w="sm" len="sm"/>
           </a:ln>
         </p:spPr>
       </p:sp>
       <p:sp>
         <p:nvSpPr>
-          <p:cNvPr name="AutoShape 10" id="10"/>
+          <p:cNvPr id="10" name="AutoShape 10"/>
           <p:cNvSpPr/>
           <p:nvPr/>
         </p:nvSpPr>
         <p:spPr>
-          <a:xfrm rot="0">
+          <a:xfrm>
             <a:off x="1028700" y="3811354"/>
             <a:ext cx="16230600" cy="0"/>
           </a:xfrm>
           <a:prstGeom prst="line">
             <a:avLst/>
           </a:prstGeom>
-          <a:ln cap="rnd" w="28575">
+          <a:ln w="28575" cap="rnd">
             <a:solidFill>
               <a:srgbClr val="A6A6A6"/>
             </a:solidFill>
             <a:prstDash val="sysDot"/>
-            <a:headEnd type="none" len="sm" w="sm"/>
-            <a:tailEnd type="none" len="sm" w="sm"/>
+            <a:headEnd type="none" w="sm" len="sm"/>
+            <a:tailEnd type="none" w="sm" len="sm"/>
           </a:ln>
         </p:spPr>
       </p:sp>
       <p:sp>
         <p:nvSpPr>
-          <p:cNvPr name="AutoShape 11" id="11"/>
+          <p:cNvPr id="11" name="AutoShape 11"/>
           <p:cNvSpPr/>
           <p:nvPr/>
         </p:nvSpPr>
         <p:spPr>
-          <a:xfrm rot="0">
+          <a:xfrm>
             <a:off x="1028700" y="3477979"/>
             <a:ext cx="3250736" cy="0"/>
           </a:xfrm>
           <a:prstGeom prst="line">
             <a:avLst/>
           </a:prstGeom>
-          <a:ln cap="rnd" w="666750">
+          <a:ln w="666750" cap="rnd">
             <a:solidFill>
               <a:srgbClr val="FF5757"/>
             </a:solidFill>
             <a:prstDash val="solid"/>
-            <a:headEnd type="none" len="sm" w="sm"/>
-            <a:tailEnd type="none" len="sm" w="sm"/>
+            <a:headEnd type="none" w="sm" len="sm"/>
+            <a:tailEnd type="none" w="sm" len="sm"/>
           </a:ln>
         </p:spPr>
       </p:sp>
       <p:sp>
         <p:nvSpPr>
-          <p:cNvPr name="TextBox 12" id="12"/>
-          <p:cNvSpPr txBox="true"/>
-          <p:nvPr/>
-        </p:nvSpPr>
-        <p:spPr>
-          <a:xfrm rot="0">
+          <p:cNvPr id="12" name="TextBox 12"/>
+          <p:cNvSpPr txBox="1"/>
+          <p:nvPr/>
+        </p:nvSpPr>
+        <p:spPr>
+          <a:xfrm>
             <a:off x="1028700" y="8053136"/>
             <a:ext cx="1070838" cy="349250"/>
           </a:xfrm>
@@ -5880,7 +5885,7 @@
           </a:prstGeom>
         </p:spPr>
         <p:txBody>
-          <a:bodyPr anchor="t" rtlCol="false" tIns="0" lIns="0" bIns="0" rIns="0">
+          <a:bodyPr lIns="0" tIns="0" rIns="0" bIns="0" rtlCol="0" anchor="t">
             <a:spAutoFit/>
           </a:bodyPr>
           <a:lstStyle/>
@@ -5904,12 +5909,12 @@
       </p:sp>
       <p:sp>
         <p:nvSpPr>
-          <p:cNvPr name="TextBox 13" id="13"/>
-          <p:cNvSpPr txBox="true"/>
-          <p:nvPr/>
-        </p:nvSpPr>
-        <p:spPr>
-          <a:xfrm rot="0">
+          <p:cNvPr id="13" name="TextBox 13"/>
+          <p:cNvSpPr txBox="1"/>
+          <p:nvPr/>
+        </p:nvSpPr>
+        <p:spPr>
+          <a:xfrm>
             <a:off x="4648255" y="8053136"/>
             <a:ext cx="1070838" cy="349250"/>
           </a:xfrm>
@@ -5918,7 +5923,7 @@
           </a:prstGeom>
         </p:spPr>
         <p:txBody>
-          <a:bodyPr anchor="t" rtlCol="false" tIns="0" lIns="0" bIns="0" rIns="0">
+          <a:bodyPr lIns="0" tIns="0" rIns="0" bIns="0" rtlCol="0" anchor="t">
             <a:spAutoFit/>
           </a:bodyPr>
           <a:lstStyle/>
@@ -5942,12 +5947,12 @@
       </p:sp>
       <p:sp>
         <p:nvSpPr>
-          <p:cNvPr name="TextBox 14" id="14"/>
-          <p:cNvSpPr txBox="true"/>
-          <p:nvPr/>
-        </p:nvSpPr>
-        <p:spPr>
-          <a:xfrm rot="0">
+          <p:cNvPr id="14" name="TextBox 14"/>
+          <p:cNvSpPr txBox="1"/>
+          <p:nvPr/>
+        </p:nvSpPr>
+        <p:spPr>
+          <a:xfrm>
             <a:off x="9020396" y="8157911"/>
             <a:ext cx="1070838" cy="349250"/>
           </a:xfrm>
@@ -5956,7 +5961,7 @@
           </a:prstGeom>
         </p:spPr>
         <p:txBody>
-          <a:bodyPr anchor="t" rtlCol="false" tIns="0" lIns="0" bIns="0" rIns="0">
+          <a:bodyPr lIns="0" tIns="0" rIns="0" bIns="0" rtlCol="0" anchor="t">
             <a:spAutoFit/>
           </a:bodyPr>
           <a:lstStyle/>
@@ -5980,12 +5985,12 @@
       </p:sp>
       <p:sp>
         <p:nvSpPr>
-          <p:cNvPr name="TextBox 15" id="15"/>
-          <p:cNvSpPr txBox="true"/>
-          <p:nvPr/>
-        </p:nvSpPr>
-        <p:spPr>
-          <a:xfrm rot="0">
+          <p:cNvPr id="15" name="TextBox 15"/>
+          <p:cNvSpPr txBox="1"/>
+          <p:nvPr/>
+        </p:nvSpPr>
+        <p:spPr>
+          <a:xfrm>
             <a:off x="14647292" y="8053136"/>
             <a:ext cx="1070838" cy="349250"/>
           </a:xfrm>
@@ -5994,7 +5999,7 @@
           </a:prstGeom>
         </p:spPr>
         <p:txBody>
-          <a:bodyPr anchor="t" rtlCol="false" tIns="0" lIns="0" bIns="0" rIns="0">
+          <a:bodyPr lIns="0" tIns="0" rIns="0" bIns="0" rtlCol="0" anchor="t">
             <a:spAutoFit/>
           </a:bodyPr>
           <a:lstStyle/>
@@ -6018,132 +6023,132 @@
       </p:sp>
       <p:sp>
         <p:nvSpPr>
-          <p:cNvPr name="AutoShape 16" id="16"/>
+          <p:cNvPr id="16" name="AutoShape 16"/>
           <p:cNvSpPr/>
           <p:nvPr/>
         </p:nvSpPr>
         <p:spPr>
-          <a:xfrm rot="0">
+          <a:xfrm>
             <a:off x="2695071" y="4174783"/>
             <a:ext cx="4381689" cy="0"/>
           </a:xfrm>
           <a:prstGeom prst="line">
             <a:avLst/>
           </a:prstGeom>
-          <a:ln cap="rnd" w="666750">
+          <a:ln w="666750" cap="rnd">
             <a:solidFill>
               <a:srgbClr val="CB6CE6"/>
             </a:solidFill>
             <a:prstDash val="solid"/>
-            <a:headEnd type="none" len="sm" w="sm"/>
-            <a:tailEnd type="none" len="sm" w="sm"/>
+            <a:headEnd type="none" w="sm" len="sm"/>
+            <a:tailEnd type="none" w="sm" len="sm"/>
           </a:ln>
         </p:spPr>
       </p:sp>
       <p:sp>
         <p:nvSpPr>
-          <p:cNvPr name="AutoShape 17" id="17"/>
+          <p:cNvPr id="17" name="AutoShape 17"/>
           <p:cNvSpPr/>
           <p:nvPr/>
         </p:nvSpPr>
         <p:spPr>
-          <a:xfrm rot="0">
+          <a:xfrm>
             <a:off x="4073231" y="4871586"/>
             <a:ext cx="5759849" cy="0"/>
           </a:xfrm>
           <a:prstGeom prst="line">
             <a:avLst/>
           </a:prstGeom>
-          <a:ln cap="rnd" w="666750">
+          <a:ln w="666750" cap="rnd">
             <a:solidFill>
               <a:srgbClr val="5E17EB"/>
             </a:solidFill>
             <a:prstDash val="solid"/>
-            <a:headEnd type="none" len="sm" w="sm"/>
-            <a:tailEnd type="none" len="sm" w="sm"/>
+            <a:headEnd type="none" w="sm" len="sm"/>
+            <a:tailEnd type="none" w="sm" len="sm"/>
           </a:ln>
         </p:spPr>
       </p:sp>
       <p:sp>
         <p:nvSpPr>
-          <p:cNvPr name="AutoShape 18" id="18"/>
+          <p:cNvPr id="18" name="AutoShape 18"/>
           <p:cNvSpPr/>
           <p:nvPr/>
         </p:nvSpPr>
         <p:spPr>
-          <a:xfrm rot="0">
+          <a:xfrm>
             <a:off x="5451392" y="5568390"/>
             <a:ext cx="7138009" cy="0"/>
           </a:xfrm>
           <a:prstGeom prst="line">
             <a:avLst/>
           </a:prstGeom>
-          <a:ln cap="rnd" w="666750">
+          <a:ln w="666750" cap="rnd">
             <a:solidFill>
               <a:srgbClr val="5271FF"/>
             </a:solidFill>
             <a:prstDash val="solid"/>
-            <a:headEnd type="none" len="sm" w="sm"/>
-            <a:tailEnd type="none" len="sm" w="sm"/>
+            <a:headEnd type="none" w="sm" len="sm"/>
+            <a:tailEnd type="none" w="sm" len="sm"/>
           </a:ln>
         </p:spPr>
       </p:sp>
       <p:sp>
         <p:nvSpPr>
-          <p:cNvPr name="AutoShape 19" id="19"/>
+          <p:cNvPr id="19" name="AutoShape 19"/>
           <p:cNvSpPr/>
           <p:nvPr/>
         </p:nvSpPr>
         <p:spPr>
-          <a:xfrm rot="0">
+          <a:xfrm>
             <a:off x="8743131" y="6265194"/>
             <a:ext cx="5759849" cy="0"/>
           </a:xfrm>
           <a:prstGeom prst="line">
             <a:avLst/>
           </a:prstGeom>
-          <a:ln cap="rnd" w="666750">
+          <a:ln w="666750" cap="rnd">
             <a:solidFill>
               <a:srgbClr val="38B6FF"/>
             </a:solidFill>
             <a:prstDash val="solid"/>
-            <a:headEnd type="none" len="sm" w="sm"/>
-            <a:tailEnd type="none" len="sm" w="sm"/>
+            <a:headEnd type="none" w="sm" len="sm"/>
+            <a:tailEnd type="none" w="sm" len="sm"/>
           </a:ln>
         </p:spPr>
       </p:sp>
       <p:sp>
         <p:nvSpPr>
-          <p:cNvPr name="AutoShape 20" id="20"/>
+          <p:cNvPr id="20" name="AutoShape 20"/>
           <p:cNvSpPr/>
           <p:nvPr/>
         </p:nvSpPr>
         <p:spPr>
-          <a:xfrm rot="0">
+          <a:xfrm>
             <a:off x="12589400" y="6961997"/>
             <a:ext cx="4669900" cy="0"/>
           </a:xfrm>
           <a:prstGeom prst="line">
             <a:avLst/>
           </a:prstGeom>
-          <a:ln cap="rnd" w="666750">
+          <a:ln w="666750" cap="rnd">
             <a:solidFill>
               <a:srgbClr val="00C2CB"/>
             </a:solidFill>
             <a:prstDash val="solid"/>
-            <a:headEnd type="none" len="sm" w="sm"/>
-            <a:tailEnd type="none" len="sm" w="sm"/>
+            <a:headEnd type="none" w="sm" len="sm"/>
+            <a:tailEnd type="none" w="sm" len="sm"/>
           </a:ln>
         </p:spPr>
       </p:sp>
       <p:sp>
         <p:nvSpPr>
-          <p:cNvPr name="TextBox 21" id="21"/>
-          <p:cNvSpPr txBox="true"/>
-          <p:nvPr/>
-        </p:nvSpPr>
-        <p:spPr>
-          <a:xfrm rot="0">
+          <p:cNvPr id="21" name="TextBox 21"/>
+          <p:cNvSpPr txBox="1"/>
+          <p:nvPr/>
+        </p:nvSpPr>
+        <p:spPr>
+          <a:xfrm>
             <a:off x="1309259" y="3439879"/>
             <a:ext cx="2689619" cy="687705"/>
           </a:xfrm>
@@ -6152,7 +6157,7 @@
           </a:prstGeom>
         </p:spPr>
         <p:txBody>
-          <a:bodyPr anchor="t" rtlCol="false" tIns="0" lIns="0" bIns="0" rIns="0">
+          <a:bodyPr lIns="0" tIns="0" rIns="0" bIns="0" rtlCol="0" anchor="t">
             <a:spAutoFit/>
           </a:bodyPr>
           <a:lstStyle/>
@@ -6176,12 +6181,12 @@
       </p:sp>
       <p:sp>
         <p:nvSpPr>
-          <p:cNvPr name="TextBox 22" id="22"/>
-          <p:cNvSpPr txBox="true"/>
-          <p:nvPr/>
-        </p:nvSpPr>
-        <p:spPr>
-          <a:xfrm rot="0">
+          <p:cNvPr id="22" name="TextBox 22"/>
+          <p:cNvSpPr txBox="1"/>
+          <p:nvPr/>
+        </p:nvSpPr>
+        <p:spPr>
+          <a:xfrm>
             <a:off x="2695071" y="4301465"/>
             <a:ext cx="4381689" cy="365760"/>
           </a:xfrm>
@@ -6190,7 +6195,7 @@
           </a:prstGeom>
         </p:spPr>
         <p:txBody>
-          <a:bodyPr anchor="t" rtlCol="false" tIns="0" lIns="0" bIns="0" rIns="0">
+          <a:bodyPr lIns="0" tIns="0" rIns="0" bIns="0" rtlCol="0" anchor="t">
             <a:spAutoFit/>
           </a:bodyPr>
           <a:lstStyle/>
@@ -6214,12 +6219,12 @@
       </p:sp>
       <p:sp>
         <p:nvSpPr>
-          <p:cNvPr name="TextBox 23" id="23"/>
-          <p:cNvSpPr txBox="true"/>
-          <p:nvPr/>
-        </p:nvSpPr>
-        <p:spPr>
-          <a:xfrm rot="0">
+          <p:cNvPr id="23" name="TextBox 23"/>
+          <p:cNvSpPr txBox="1"/>
+          <p:nvPr/>
+        </p:nvSpPr>
+        <p:spPr>
+          <a:xfrm>
             <a:off x="4762311" y="4998269"/>
             <a:ext cx="4381689" cy="365760"/>
           </a:xfrm>
@@ -6228,7 +6233,7 @@
           </a:prstGeom>
         </p:spPr>
         <p:txBody>
-          <a:bodyPr anchor="t" rtlCol="false" tIns="0" lIns="0" bIns="0" rIns="0">
+          <a:bodyPr lIns="0" tIns="0" rIns="0" bIns="0" rtlCol="0" anchor="t">
             <a:spAutoFit/>
           </a:bodyPr>
           <a:lstStyle/>
@@ -6252,12 +6257,12 @@
       </p:sp>
       <p:sp>
         <p:nvSpPr>
-          <p:cNvPr name="TextBox 24" id="24"/>
-          <p:cNvSpPr txBox="true"/>
-          <p:nvPr/>
-        </p:nvSpPr>
-        <p:spPr>
-          <a:xfrm rot="0">
+          <p:cNvPr id="24" name="TextBox 24"/>
+          <p:cNvSpPr txBox="1"/>
+          <p:nvPr/>
+        </p:nvSpPr>
+        <p:spPr>
+          <a:xfrm>
             <a:off x="6829552" y="5695072"/>
             <a:ext cx="4381689" cy="365760"/>
           </a:xfrm>
@@ -6266,7 +6271,7 @@
           </a:prstGeom>
         </p:spPr>
         <p:txBody>
-          <a:bodyPr anchor="t" rtlCol="false" tIns="0" lIns="0" bIns="0" rIns="0">
+          <a:bodyPr lIns="0" tIns="0" rIns="0" bIns="0" rtlCol="0" anchor="t">
             <a:spAutoFit/>
           </a:bodyPr>
           <a:lstStyle/>
@@ -6290,12 +6295,12 @@
       </p:sp>
       <p:sp>
         <p:nvSpPr>
-          <p:cNvPr name="TextBox 25" id="25"/>
-          <p:cNvSpPr txBox="true"/>
-          <p:nvPr/>
-        </p:nvSpPr>
-        <p:spPr>
-          <a:xfrm rot="0">
+          <p:cNvPr id="25" name="TextBox 25"/>
+          <p:cNvSpPr txBox="1"/>
+          <p:nvPr/>
+        </p:nvSpPr>
+        <p:spPr>
+          <a:xfrm>
             <a:off x="9432211" y="6391876"/>
             <a:ext cx="4381689" cy="365760"/>
           </a:xfrm>
@@ -6304,7 +6309,7 @@
           </a:prstGeom>
         </p:spPr>
         <p:txBody>
-          <a:bodyPr anchor="t" rtlCol="false" tIns="0" lIns="0" bIns="0" rIns="0">
+          <a:bodyPr lIns="0" tIns="0" rIns="0" bIns="0" rtlCol="0" anchor="t">
             <a:spAutoFit/>
           </a:bodyPr>
           <a:lstStyle/>
@@ -6328,12 +6333,12 @@
       </p:sp>
       <p:sp>
         <p:nvSpPr>
-          <p:cNvPr name="TextBox 26" id="26"/>
-          <p:cNvSpPr txBox="true"/>
-          <p:nvPr/>
-        </p:nvSpPr>
-        <p:spPr>
-          <a:xfrm rot="0">
+          <p:cNvPr id="26" name="TextBox 26"/>
+          <p:cNvSpPr txBox="1"/>
+          <p:nvPr/>
+        </p:nvSpPr>
+        <p:spPr>
+          <a:xfrm>
             <a:off x="12733506" y="7088680"/>
             <a:ext cx="4381689" cy="365760"/>
           </a:xfrm>
@@ -6342,7 +6347,7 @@
           </a:prstGeom>
         </p:spPr>
         <p:txBody>
-          <a:bodyPr anchor="t" rtlCol="false" tIns="0" lIns="0" bIns="0" rIns="0">
+          <a:bodyPr lIns="0" tIns="0" rIns="0" bIns="0" rtlCol="0" anchor="t">
             <a:spAutoFit/>
           </a:bodyPr>
           <a:lstStyle/>
@@ -6373,13 +6378,14 @@
 </file>
 
 <file path=ppt/slides/slide8.xml><?xml version="1.0" encoding="utf-8"?>
-<p:sld xmlns:p="http://schemas.openxmlformats.org/presentationml/2006/main" xmlns:a="http://schemas.openxmlformats.org/drawingml/2006/main">
+<p:sld xmlns:a="http://schemas.openxmlformats.org/drawingml/2006/main" xmlns:r="http://schemas.openxmlformats.org/officeDocument/2006/relationships" xmlns:p="http://schemas.openxmlformats.org/presentationml/2006/main">
   <p:cSld>
     <p:bg>
       <p:bgPr>
         <a:solidFill>
           <a:srgbClr val="F8F8F8"/>
         </a:solidFill>
+        <a:effectLst/>
       </p:bgPr>
     </p:bg>
     <p:spTree>
@@ -6398,12 +6404,12 @@
       </p:grpSpPr>
       <p:sp>
         <p:nvSpPr>
-          <p:cNvPr name="AutoShape 2" id="2"/>
+          <p:cNvPr id="2" name="AutoShape 2"/>
           <p:cNvSpPr/>
           <p:nvPr/>
         </p:nvSpPr>
         <p:spPr>
-          <a:xfrm rot="0">
+          <a:xfrm>
             <a:off x="485556" y="454609"/>
             <a:ext cx="17316887" cy="9377782"/>
           </a:xfrm>
@@ -6417,12 +6423,12 @@
       </p:sp>
       <p:sp>
         <p:nvSpPr>
-          <p:cNvPr name="TextBox 3" id="3"/>
-          <p:cNvSpPr txBox="true"/>
-          <p:nvPr/>
-        </p:nvSpPr>
-        <p:spPr>
-          <a:xfrm rot="0">
+          <p:cNvPr id="3" name="TextBox 3"/>
+          <p:cNvSpPr txBox="1"/>
+          <p:nvPr/>
+        </p:nvSpPr>
+        <p:spPr>
+          <a:xfrm>
             <a:off x="1028700" y="4096925"/>
             <a:ext cx="16230600" cy="1460500"/>
           </a:xfrm>
@@ -6431,7 +6437,7 @@
           </a:prstGeom>
         </p:spPr>
         <p:txBody>
-          <a:bodyPr anchor="t" rtlCol="false" tIns="0" lIns="0" bIns="0" rIns="0">
+          <a:bodyPr lIns="0" tIns="0" rIns="0" bIns="0" rtlCol="0" anchor="t">
             <a:spAutoFit/>
           </a:bodyPr>
           <a:lstStyle/>
@@ -6455,12 +6461,12 @@
       </p:sp>
       <p:sp>
         <p:nvSpPr>
-          <p:cNvPr name="AutoShape 4" id="4"/>
+          <p:cNvPr id="4" name="AutoShape 4"/>
           <p:cNvSpPr/>
           <p:nvPr/>
         </p:nvSpPr>
         <p:spPr>
-          <a:xfrm rot="0">
+          <a:xfrm>
             <a:off x="8556216" y="5557425"/>
             <a:ext cx="1175568" cy="137659"/>
           </a:xfrm>
